--- a/www/tut/2023 09 09  Tutorial.pptx
+++ b/www/tut/2023 09 09  Tutorial.pptx
@@ -284,7 +284,7 @@
           <a:p>
             <a:fld id="{30B8650D-30EB-413A-A18E-AC4D64B034F6}" type="datetimeFigureOut">
               <a:rPr lang="de-DE" smtClean="0"/>
-              <a:t>08.05.2023</a:t>
+              <a:t>09.09.2023</a:t>
             </a:fld>
             <a:endParaRPr lang="de-DE"/>
           </a:p>
@@ -454,7 +454,7 @@
           <a:p>
             <a:fld id="{30B8650D-30EB-413A-A18E-AC4D64B034F6}" type="datetimeFigureOut">
               <a:rPr lang="de-DE" smtClean="0"/>
-              <a:t>08.05.2023</a:t>
+              <a:t>09.09.2023</a:t>
             </a:fld>
             <a:endParaRPr lang="de-DE"/>
           </a:p>
@@ -634,7 +634,7 @@
           <a:p>
             <a:fld id="{30B8650D-30EB-413A-A18E-AC4D64B034F6}" type="datetimeFigureOut">
               <a:rPr lang="de-DE" smtClean="0"/>
-              <a:t>08.05.2023</a:t>
+              <a:t>09.09.2023</a:t>
             </a:fld>
             <a:endParaRPr lang="de-DE"/>
           </a:p>
@@ -804,7 +804,7 @@
           <a:p>
             <a:fld id="{30B8650D-30EB-413A-A18E-AC4D64B034F6}" type="datetimeFigureOut">
               <a:rPr lang="de-DE" smtClean="0"/>
-              <a:t>08.05.2023</a:t>
+              <a:t>09.09.2023</a:t>
             </a:fld>
             <a:endParaRPr lang="de-DE"/>
           </a:p>
@@ -1048,7 +1048,7 @@
           <a:p>
             <a:fld id="{30B8650D-30EB-413A-A18E-AC4D64B034F6}" type="datetimeFigureOut">
               <a:rPr lang="de-DE" smtClean="0"/>
-              <a:t>08.05.2023</a:t>
+              <a:t>09.09.2023</a:t>
             </a:fld>
             <a:endParaRPr lang="de-DE"/>
           </a:p>
@@ -1280,7 +1280,7 @@
           <a:p>
             <a:fld id="{30B8650D-30EB-413A-A18E-AC4D64B034F6}" type="datetimeFigureOut">
               <a:rPr lang="de-DE" smtClean="0"/>
-              <a:t>08.05.2023</a:t>
+              <a:t>09.09.2023</a:t>
             </a:fld>
             <a:endParaRPr lang="de-DE"/>
           </a:p>
@@ -1647,7 +1647,7 @@
           <a:p>
             <a:fld id="{30B8650D-30EB-413A-A18E-AC4D64B034F6}" type="datetimeFigureOut">
               <a:rPr lang="de-DE" smtClean="0"/>
-              <a:t>08.05.2023</a:t>
+              <a:t>09.09.2023</a:t>
             </a:fld>
             <a:endParaRPr lang="de-DE"/>
           </a:p>
@@ -1765,7 +1765,7 @@
           <a:p>
             <a:fld id="{30B8650D-30EB-413A-A18E-AC4D64B034F6}" type="datetimeFigureOut">
               <a:rPr lang="de-DE" smtClean="0"/>
-              <a:t>08.05.2023</a:t>
+              <a:t>09.09.2023</a:t>
             </a:fld>
             <a:endParaRPr lang="de-DE"/>
           </a:p>
@@ -1860,7 +1860,7 @@
           <a:p>
             <a:fld id="{30B8650D-30EB-413A-A18E-AC4D64B034F6}" type="datetimeFigureOut">
               <a:rPr lang="de-DE" smtClean="0"/>
-              <a:t>08.05.2023</a:t>
+              <a:t>09.09.2023</a:t>
             </a:fld>
             <a:endParaRPr lang="de-DE"/>
           </a:p>
@@ -2137,7 +2137,7 @@
           <a:p>
             <a:fld id="{30B8650D-30EB-413A-A18E-AC4D64B034F6}" type="datetimeFigureOut">
               <a:rPr lang="de-DE" smtClean="0"/>
-              <a:t>08.05.2023</a:t>
+              <a:t>09.09.2023</a:t>
             </a:fld>
             <a:endParaRPr lang="de-DE"/>
           </a:p>
@@ -2394,7 +2394,7 @@
           <a:p>
             <a:fld id="{30B8650D-30EB-413A-A18E-AC4D64B034F6}" type="datetimeFigureOut">
               <a:rPr lang="de-DE" smtClean="0"/>
-              <a:t>08.05.2023</a:t>
+              <a:t>09.09.2023</a:t>
             </a:fld>
             <a:endParaRPr lang="de-DE"/>
           </a:p>
@@ -2612,7 +2612,7 @@
           <a:p>
             <a:fld id="{30B8650D-30EB-413A-A18E-AC4D64B034F6}" type="datetimeFigureOut">
               <a:rPr lang="de-DE" smtClean="0"/>
-              <a:t>08.05.2023</a:t>
+              <a:t>09.09.2023</a:t>
             </a:fld>
             <a:endParaRPr lang="de-DE"/>
           </a:p>
@@ -3019,540 +3019,483 @@
       </p:grpSpPr>
       <p:grpSp>
         <p:nvGrpSpPr>
-          <p:cNvPr id="20" name="Group 19"/>
+          <p:cNvPr id="3" name="Group 2"/>
           <p:cNvGrpSpPr/>
           <p:nvPr/>
         </p:nvGrpSpPr>
         <p:grpSpPr>
           <a:xfrm>
-            <a:off x="230980" y="211938"/>
-            <a:ext cx="6291740" cy="7227088"/>
-            <a:chOff x="230980" y="211938"/>
-            <a:chExt cx="6291740" cy="7227088"/>
+            <a:off x="108155" y="46883"/>
+            <a:ext cx="6485995" cy="7647243"/>
+            <a:chOff x="108155" y="46883"/>
+            <a:chExt cx="6485995" cy="7647243"/>
           </a:xfrm>
         </p:grpSpPr>
+        <p:pic>
+          <p:nvPicPr>
+            <p:cNvPr id="2" name="Picture 1"/>
+            <p:cNvPicPr>
+              <a:picLocks noChangeAspect="1"/>
+            </p:cNvPicPr>
+            <p:nvPr/>
+          </p:nvPicPr>
+          <p:blipFill>
+            <a:blip r:embed="rId2" cstate="print">
+              <a:extLst>
+                <a:ext uri="{28A0092B-C50C-407E-A947-70E740481C1C}">
+                  <a14:useLocalDpi xmlns:a14="http://schemas.microsoft.com/office/drawing/2010/main" val="0"/>
+                </a:ext>
+              </a:extLst>
+            </a:blip>
+            <a:stretch>
+              <a:fillRect/>
+            </a:stretch>
+          </p:blipFill>
+          <p:spPr>
+            <a:xfrm>
+              <a:off x="108155" y="46883"/>
+              <a:ext cx="6485995" cy="7647243"/>
+            </a:xfrm>
+            <a:prstGeom prst="rect">
+              <a:avLst/>
+            </a:prstGeom>
+          </p:spPr>
+        </p:pic>
         <p:grpSp>
           <p:nvGrpSpPr>
-            <p:cNvPr id="19" name="Group 18"/>
+            <p:cNvPr id="20" name="Group 19"/>
             <p:cNvGrpSpPr/>
             <p:nvPr/>
           </p:nvGrpSpPr>
           <p:grpSpPr>
             <a:xfrm>
-              <a:off x="230980" y="211938"/>
-              <a:ext cx="6291740" cy="7227088"/>
-              <a:chOff x="230980" y="211938"/>
-              <a:chExt cx="6291740" cy="7227088"/>
+              <a:off x="1425530" y="622562"/>
+              <a:ext cx="3123783" cy="6646263"/>
+              <a:chOff x="1425530" y="622562"/>
+              <a:chExt cx="3123783" cy="6646263"/>
             </a:xfrm>
           </p:grpSpPr>
-          <p:pic>
-            <p:nvPicPr>
-              <p:cNvPr id="16" name="Picture 15"/>
-              <p:cNvPicPr>
-                <a:picLocks noChangeAspect="1"/>
-              </p:cNvPicPr>
+          <p:sp>
+            <p:nvSpPr>
+              <p:cNvPr id="6" name="Oval 5"/>
+              <p:cNvSpPr/>
               <p:nvPr/>
-            </p:nvPicPr>
-            <p:blipFill rotWithShape="1">
-              <a:blip r:embed="rId2" cstate="print">
-                <a:extLst>
-                  <a:ext uri="{28A0092B-C50C-407E-A947-70E740481C1C}">
-                    <a14:useLocalDpi xmlns:a14="http://schemas.microsoft.com/office/drawing/2010/main" val="0"/>
-                  </a:ext>
-                </a:extLst>
-              </a:blip>
-              <a:srcRect l="1123" b="5586"/>
-              <a:stretch/>
-            </p:blipFill>
+            </p:nvSpPr>
             <p:spPr>
               <a:xfrm>
-                <a:off x="230980" y="4966226"/>
-                <a:ext cx="6284119" cy="2472800"/>
+                <a:off x="1803066" y="3743030"/>
+                <a:ext cx="263236" cy="254948"/>
               </a:xfrm>
-              <a:prstGeom prst="rect">
+              <a:prstGeom prst="ellipse">
                 <a:avLst/>
               </a:prstGeom>
+              <a:noFill/>
+              <a:ln w="38100">
+                <a:solidFill>
+                  <a:srgbClr val="3D96FF"/>
+                </a:solidFill>
+              </a:ln>
             </p:spPr>
-          </p:pic>
-          <p:pic>
-            <p:nvPicPr>
-              <p:cNvPr id="15" name="Picture 14"/>
-              <p:cNvPicPr>
-                <a:picLocks noChangeAspect="1"/>
-              </p:cNvPicPr>
-              <p:nvPr/>
-            </p:nvPicPr>
-            <p:blipFill rotWithShape="1">
-              <a:blip r:embed="rId3" cstate="print">
-                <a:extLst>
-                  <a:ext uri="{28A0092B-C50C-407E-A947-70E740481C1C}">
-                    <a14:useLocalDpi xmlns:a14="http://schemas.microsoft.com/office/drawing/2010/main" val="0"/>
-                  </a:ext>
-                </a:extLst>
-              </a:blip>
-              <a:srcRect l="835"/>
-              <a:stretch/>
-            </p:blipFill>
-            <p:spPr>
-              <a:xfrm>
-                <a:off x="233363" y="3413129"/>
-                <a:ext cx="6289357" cy="3690954"/>
-              </a:xfrm>
-              <a:prstGeom prst="rect">
-                <a:avLst/>
-              </a:prstGeom>
-            </p:spPr>
-          </p:pic>
-          <p:pic>
-            <p:nvPicPr>
-              <p:cNvPr id="14" name="Picture 13"/>
-              <p:cNvPicPr>
-                <a:picLocks noChangeAspect="1"/>
-              </p:cNvPicPr>
-              <p:nvPr/>
-            </p:nvPicPr>
-            <p:blipFill rotWithShape="1">
-              <a:blip r:embed="rId4" cstate="print">
-                <a:extLst>
-                  <a:ext uri="{28A0092B-C50C-407E-A947-70E740481C1C}">
-                    <a14:useLocalDpi xmlns:a14="http://schemas.microsoft.com/office/drawing/2010/main" val="0"/>
-                  </a:ext>
-                </a:extLst>
-              </a:blip>
-              <a:srcRect l="833" t="-1" b="-799"/>
-              <a:stretch/>
-            </p:blipFill>
-            <p:spPr>
-              <a:xfrm>
-                <a:off x="233363" y="211938"/>
-                <a:ext cx="6281737" cy="3702837"/>
-              </a:xfrm>
-              <a:prstGeom prst="rect">
-                <a:avLst/>
-              </a:prstGeom>
-            </p:spPr>
-          </p:pic>
-        </p:grpSp>
-        <p:sp>
-          <p:nvSpPr>
-            <p:cNvPr id="6" name="Oval 5"/>
-            <p:cNvSpPr/>
-            <p:nvPr/>
-          </p:nvSpPr>
-          <p:spPr>
-            <a:xfrm>
-              <a:off x="1955541" y="4205941"/>
-              <a:ext cx="263236" cy="254948"/>
-            </a:xfrm>
-            <a:prstGeom prst="ellipse">
-              <a:avLst/>
-            </a:prstGeom>
-            <a:noFill/>
-            <a:ln w="38100">
-              <a:solidFill>
-                <a:srgbClr val="3D96FF"/>
-              </a:solidFill>
-            </a:ln>
-          </p:spPr>
-          <p:style>
-            <a:lnRef idx="2">
-              <a:schemeClr val="accent1">
-                <a:shade val="50000"/>
-              </a:schemeClr>
-            </a:lnRef>
-            <a:fillRef idx="1">
-              <a:schemeClr val="accent1"/>
-            </a:fillRef>
-            <a:effectRef idx="0">
-              <a:schemeClr val="accent1"/>
-            </a:effectRef>
-            <a:fontRef idx="minor">
-              <a:schemeClr val="lt1"/>
-            </a:fontRef>
-          </p:style>
-          <p:txBody>
-            <a:bodyPr rtlCol="0" anchor="ctr"/>
-            <a:lstStyle/>
-            <a:p>
-              <a:pPr algn="ctr"/>
-              <a:r>
-                <a:rPr lang="de-DE" sz="1080" b="1" dirty="0">
+            <p:style>
+              <a:lnRef idx="2">
+                <a:schemeClr val="accent1">
+                  <a:shade val="50000"/>
+                </a:schemeClr>
+              </a:lnRef>
+              <a:fillRef idx="1">
+                <a:schemeClr val="accent1"/>
+              </a:fillRef>
+              <a:effectRef idx="0">
+                <a:schemeClr val="accent1"/>
+              </a:effectRef>
+              <a:fontRef idx="minor">
+                <a:schemeClr val="lt1"/>
+              </a:fontRef>
+            </p:style>
+            <p:txBody>
+              <a:bodyPr rtlCol="0" anchor="ctr"/>
+              <a:lstStyle/>
+              <a:p>
+                <a:pPr algn="ctr"/>
+                <a:r>
+                  <a:rPr lang="de-DE" sz="1080" b="1" dirty="0">
+                    <a:solidFill>
+                      <a:srgbClr val="3D96FF"/>
+                    </a:solidFill>
+                    <a:latin typeface="Arial monospaced for SAP" panose="020B0609020202030204" pitchFamily="49" charset="0"/>
+                  </a:rPr>
+                  <a:t>1</a:t>
+                </a:r>
+                <a:endParaRPr lang="de-DE" sz="743" b="1" dirty="0">
                   <a:solidFill>
                     <a:srgbClr val="3D96FF"/>
                   </a:solidFill>
                   <a:latin typeface="Arial monospaced for SAP" panose="020B0609020202030204" pitchFamily="49" charset="0"/>
-                </a:rPr>
-                <a:t>1</a:t>
-              </a:r>
-              <a:endParaRPr lang="de-DE" sz="743" b="1" dirty="0">
+                </a:endParaRPr>
+              </a:p>
+            </p:txBody>
+          </p:sp>
+          <p:sp>
+            <p:nvSpPr>
+              <p:cNvPr id="7" name="Oval 6"/>
+              <p:cNvSpPr/>
+              <p:nvPr/>
+            </p:nvSpPr>
+            <p:spPr>
+              <a:xfrm>
+                <a:off x="1803066" y="4757878"/>
+                <a:ext cx="263236" cy="254948"/>
+              </a:xfrm>
+              <a:prstGeom prst="ellipse">
+                <a:avLst/>
+              </a:prstGeom>
+              <a:noFill/>
+              <a:ln w="38100">
                 <a:solidFill>
                   <a:srgbClr val="3D96FF"/>
                 </a:solidFill>
-                <a:latin typeface="Arial monospaced for SAP" panose="020B0609020202030204" pitchFamily="49" charset="0"/>
-              </a:endParaRPr>
-            </a:p>
-          </p:txBody>
-        </p:sp>
-        <p:sp>
-          <p:nvSpPr>
-            <p:cNvPr id="7" name="Oval 6"/>
-            <p:cNvSpPr/>
-            <p:nvPr/>
-          </p:nvSpPr>
-          <p:spPr>
-            <a:xfrm>
-              <a:off x="1955541" y="4838751"/>
-              <a:ext cx="263236" cy="254948"/>
-            </a:xfrm>
-            <a:prstGeom prst="ellipse">
-              <a:avLst/>
-            </a:prstGeom>
-            <a:noFill/>
-            <a:ln w="38100">
-              <a:solidFill>
-                <a:srgbClr val="3D96FF"/>
-              </a:solidFill>
-            </a:ln>
-          </p:spPr>
-          <p:style>
-            <a:lnRef idx="2">
-              <a:schemeClr val="accent1">
-                <a:shade val="50000"/>
-              </a:schemeClr>
-            </a:lnRef>
-            <a:fillRef idx="1">
-              <a:schemeClr val="accent1"/>
-            </a:fillRef>
-            <a:effectRef idx="0">
-              <a:schemeClr val="accent1"/>
-            </a:effectRef>
-            <a:fontRef idx="minor">
-              <a:schemeClr val="lt1"/>
-            </a:fontRef>
-          </p:style>
-          <p:txBody>
-            <a:bodyPr rtlCol="0" anchor="ctr"/>
-            <a:lstStyle/>
-            <a:p>
-              <a:pPr algn="ctr"/>
-              <a:r>
-                <a:rPr lang="de-DE" sz="1080" b="1" dirty="0">
+              </a:ln>
+            </p:spPr>
+            <p:style>
+              <a:lnRef idx="2">
+                <a:schemeClr val="accent1">
+                  <a:shade val="50000"/>
+                </a:schemeClr>
+              </a:lnRef>
+              <a:fillRef idx="1">
+                <a:schemeClr val="accent1"/>
+              </a:fillRef>
+              <a:effectRef idx="0">
+                <a:schemeClr val="accent1"/>
+              </a:effectRef>
+              <a:fontRef idx="minor">
+                <a:schemeClr val="lt1"/>
+              </a:fontRef>
+            </p:style>
+            <p:txBody>
+              <a:bodyPr rtlCol="0" anchor="ctr"/>
+              <a:lstStyle/>
+              <a:p>
+                <a:pPr algn="ctr"/>
+                <a:r>
+                  <a:rPr lang="de-DE" sz="1080" b="1" dirty="0">
+                    <a:solidFill>
+                      <a:srgbClr val="3D96FF"/>
+                    </a:solidFill>
+                    <a:latin typeface="Arial monospaced for SAP" panose="020B0609020202030204" pitchFamily="49" charset="0"/>
+                  </a:rPr>
+                  <a:t>2</a:t>
+                </a:r>
+                <a:endParaRPr lang="de-DE" sz="743" b="1" dirty="0">
                   <a:solidFill>
                     <a:srgbClr val="3D96FF"/>
                   </a:solidFill>
                   <a:latin typeface="Arial monospaced for SAP" panose="020B0609020202030204" pitchFamily="49" charset="0"/>
-                </a:rPr>
-                <a:t>2</a:t>
-              </a:r>
-              <a:endParaRPr lang="de-DE" sz="743" b="1" dirty="0">
+                </a:endParaRPr>
+              </a:p>
+            </p:txBody>
+          </p:sp>
+          <p:sp>
+            <p:nvSpPr>
+              <p:cNvPr id="8" name="Oval 7"/>
+              <p:cNvSpPr/>
+              <p:nvPr/>
+            </p:nvSpPr>
+            <p:spPr>
+              <a:xfrm>
+                <a:off x="1934684" y="5905755"/>
+                <a:ext cx="263236" cy="254948"/>
+              </a:xfrm>
+              <a:prstGeom prst="ellipse">
+                <a:avLst/>
+              </a:prstGeom>
+              <a:noFill/>
+              <a:ln w="38100">
                 <a:solidFill>
                   <a:srgbClr val="3D96FF"/>
                 </a:solidFill>
-                <a:latin typeface="Arial monospaced for SAP" panose="020B0609020202030204" pitchFamily="49" charset="0"/>
-              </a:endParaRPr>
-            </a:p>
-          </p:txBody>
-        </p:sp>
-        <p:sp>
-          <p:nvSpPr>
-            <p:cNvPr id="8" name="Oval 7"/>
-            <p:cNvSpPr/>
-            <p:nvPr/>
-          </p:nvSpPr>
-          <p:spPr>
-            <a:xfrm>
-              <a:off x="1955541" y="6027675"/>
-              <a:ext cx="263236" cy="254948"/>
-            </a:xfrm>
-            <a:prstGeom prst="ellipse">
-              <a:avLst/>
-            </a:prstGeom>
-            <a:noFill/>
-            <a:ln w="38100">
-              <a:solidFill>
-                <a:srgbClr val="3D96FF"/>
-              </a:solidFill>
-            </a:ln>
-          </p:spPr>
-          <p:style>
-            <a:lnRef idx="2">
-              <a:schemeClr val="accent1">
-                <a:shade val="50000"/>
-              </a:schemeClr>
-            </a:lnRef>
-            <a:fillRef idx="1">
-              <a:schemeClr val="accent1"/>
-            </a:fillRef>
-            <a:effectRef idx="0">
-              <a:schemeClr val="accent1"/>
-            </a:effectRef>
-            <a:fontRef idx="minor">
-              <a:schemeClr val="lt1"/>
-            </a:fontRef>
-          </p:style>
-          <p:txBody>
-            <a:bodyPr rtlCol="0" anchor="ctr"/>
-            <a:lstStyle/>
-            <a:p>
-              <a:pPr algn="ctr"/>
-              <a:r>
-                <a:rPr lang="de-DE" sz="1080" b="1" dirty="0">
+              </a:ln>
+            </p:spPr>
+            <p:style>
+              <a:lnRef idx="2">
+                <a:schemeClr val="accent1">
+                  <a:shade val="50000"/>
+                </a:schemeClr>
+              </a:lnRef>
+              <a:fillRef idx="1">
+                <a:schemeClr val="accent1"/>
+              </a:fillRef>
+              <a:effectRef idx="0">
+                <a:schemeClr val="accent1"/>
+              </a:effectRef>
+              <a:fontRef idx="minor">
+                <a:schemeClr val="lt1"/>
+              </a:fontRef>
+            </p:style>
+            <p:txBody>
+              <a:bodyPr rtlCol="0" anchor="ctr"/>
+              <a:lstStyle/>
+              <a:p>
+                <a:pPr algn="ctr"/>
+                <a:r>
+                  <a:rPr lang="de-DE" sz="1080" b="1" dirty="0">
+                    <a:solidFill>
+                      <a:srgbClr val="3D96FF"/>
+                    </a:solidFill>
+                    <a:latin typeface="Arial monospaced for SAP" panose="020B0609020202030204" pitchFamily="49" charset="0"/>
+                  </a:rPr>
+                  <a:t>3</a:t>
+                </a:r>
+                <a:endParaRPr lang="de-DE" sz="743" b="1" dirty="0">
                   <a:solidFill>
                     <a:srgbClr val="3D96FF"/>
                   </a:solidFill>
                   <a:latin typeface="Arial monospaced for SAP" panose="020B0609020202030204" pitchFamily="49" charset="0"/>
-                </a:rPr>
-                <a:t>3</a:t>
-              </a:r>
-              <a:endParaRPr lang="de-DE" sz="743" b="1" dirty="0">
+                </a:endParaRPr>
+              </a:p>
+            </p:txBody>
+          </p:sp>
+          <p:sp>
+            <p:nvSpPr>
+              <p:cNvPr id="9" name="Oval 8"/>
+              <p:cNvSpPr/>
+              <p:nvPr/>
+            </p:nvSpPr>
+            <p:spPr>
+              <a:xfrm>
+                <a:off x="1425530" y="6539701"/>
+                <a:ext cx="263236" cy="254948"/>
+              </a:xfrm>
+              <a:prstGeom prst="ellipse">
+                <a:avLst/>
+              </a:prstGeom>
+              <a:noFill/>
+              <a:ln w="38100">
                 <a:solidFill>
                   <a:srgbClr val="3D96FF"/>
                 </a:solidFill>
-                <a:latin typeface="Arial monospaced for SAP" panose="020B0609020202030204" pitchFamily="49" charset="0"/>
-              </a:endParaRPr>
-            </a:p>
-          </p:txBody>
-        </p:sp>
-        <p:sp>
-          <p:nvSpPr>
-            <p:cNvPr id="9" name="Oval 8"/>
-            <p:cNvSpPr/>
-            <p:nvPr/>
-          </p:nvSpPr>
-          <p:spPr>
-            <a:xfrm>
-              <a:off x="1539830" y="6486361"/>
-              <a:ext cx="263236" cy="254948"/>
-            </a:xfrm>
-            <a:prstGeom prst="ellipse">
-              <a:avLst/>
-            </a:prstGeom>
-            <a:noFill/>
-            <a:ln w="38100">
-              <a:solidFill>
-                <a:srgbClr val="3D96FF"/>
-              </a:solidFill>
-            </a:ln>
-          </p:spPr>
-          <p:style>
-            <a:lnRef idx="2">
-              <a:schemeClr val="accent1">
-                <a:shade val="50000"/>
-              </a:schemeClr>
-            </a:lnRef>
-            <a:fillRef idx="1">
-              <a:schemeClr val="accent1"/>
-            </a:fillRef>
-            <a:effectRef idx="0">
-              <a:schemeClr val="accent1"/>
-            </a:effectRef>
-            <a:fontRef idx="minor">
-              <a:schemeClr val="lt1"/>
-            </a:fontRef>
-          </p:style>
-          <p:txBody>
-            <a:bodyPr rtlCol="0" anchor="ctr"/>
-            <a:lstStyle/>
-            <a:p>
-              <a:pPr algn="ctr"/>
-              <a:r>
-                <a:rPr lang="de-DE" sz="1080" b="1" dirty="0">
+              </a:ln>
+            </p:spPr>
+            <p:style>
+              <a:lnRef idx="2">
+                <a:schemeClr val="accent1">
+                  <a:shade val="50000"/>
+                </a:schemeClr>
+              </a:lnRef>
+              <a:fillRef idx="1">
+                <a:schemeClr val="accent1"/>
+              </a:fillRef>
+              <a:effectRef idx="0">
+                <a:schemeClr val="accent1"/>
+              </a:effectRef>
+              <a:fontRef idx="minor">
+                <a:schemeClr val="lt1"/>
+              </a:fontRef>
+            </p:style>
+            <p:txBody>
+              <a:bodyPr rtlCol="0" anchor="ctr"/>
+              <a:lstStyle/>
+              <a:p>
+                <a:pPr algn="ctr"/>
+                <a:r>
+                  <a:rPr lang="de-DE" sz="1080" b="1" dirty="0">
+                    <a:solidFill>
+                      <a:srgbClr val="3D96FF"/>
+                    </a:solidFill>
+                    <a:latin typeface="Arial monospaced for SAP" panose="020B0609020202030204" pitchFamily="49" charset="0"/>
+                  </a:rPr>
+                  <a:t>4</a:t>
+                </a:r>
+                <a:endParaRPr lang="de-DE" sz="743" b="1" dirty="0">
                   <a:solidFill>
                     <a:srgbClr val="3D96FF"/>
                   </a:solidFill>
                   <a:latin typeface="Arial monospaced for SAP" panose="020B0609020202030204" pitchFamily="49" charset="0"/>
-                </a:rPr>
-                <a:t>4</a:t>
-              </a:r>
-              <a:endParaRPr lang="de-DE" sz="743" b="1" dirty="0">
+                </a:endParaRPr>
+              </a:p>
+            </p:txBody>
+          </p:sp>
+          <p:sp>
+            <p:nvSpPr>
+              <p:cNvPr id="10" name="Oval 9"/>
+              <p:cNvSpPr/>
+              <p:nvPr/>
+            </p:nvSpPr>
+            <p:spPr>
+              <a:xfrm>
+                <a:off x="4286077" y="622562"/>
+                <a:ext cx="263236" cy="254948"/>
+              </a:xfrm>
+              <a:prstGeom prst="ellipse">
+                <a:avLst/>
+              </a:prstGeom>
+              <a:noFill/>
+              <a:ln w="38100">
                 <a:solidFill>
                   <a:srgbClr val="3D96FF"/>
                 </a:solidFill>
-                <a:latin typeface="Arial monospaced for SAP" panose="020B0609020202030204" pitchFamily="49" charset="0"/>
-              </a:endParaRPr>
-            </a:p>
-          </p:txBody>
-        </p:sp>
-        <p:sp>
-          <p:nvSpPr>
-            <p:cNvPr id="10" name="Oval 9"/>
-            <p:cNvSpPr/>
-            <p:nvPr/>
-          </p:nvSpPr>
-          <p:spPr>
-            <a:xfrm>
-              <a:off x="4154459" y="912122"/>
-              <a:ext cx="263236" cy="254948"/>
-            </a:xfrm>
-            <a:prstGeom prst="ellipse">
-              <a:avLst/>
-            </a:prstGeom>
-            <a:noFill/>
-            <a:ln w="38100">
-              <a:solidFill>
-                <a:srgbClr val="3D96FF"/>
-              </a:solidFill>
-            </a:ln>
-          </p:spPr>
-          <p:style>
-            <a:lnRef idx="2">
-              <a:schemeClr val="accent1">
-                <a:shade val="50000"/>
-              </a:schemeClr>
-            </a:lnRef>
-            <a:fillRef idx="1">
-              <a:schemeClr val="accent1"/>
-            </a:fillRef>
-            <a:effectRef idx="0">
-              <a:schemeClr val="accent1"/>
-            </a:effectRef>
-            <a:fontRef idx="minor">
-              <a:schemeClr val="lt1"/>
-            </a:fontRef>
-          </p:style>
-          <p:txBody>
-            <a:bodyPr rtlCol="0" anchor="ctr"/>
-            <a:lstStyle/>
-            <a:p>
-              <a:pPr algn="ctr"/>
-              <a:r>
-                <a:rPr lang="de-DE" sz="1080" b="1" dirty="0">
+              </a:ln>
+            </p:spPr>
+            <p:style>
+              <a:lnRef idx="2">
+                <a:schemeClr val="accent1">
+                  <a:shade val="50000"/>
+                </a:schemeClr>
+              </a:lnRef>
+              <a:fillRef idx="1">
+                <a:schemeClr val="accent1"/>
+              </a:fillRef>
+              <a:effectRef idx="0">
+                <a:schemeClr val="accent1"/>
+              </a:effectRef>
+              <a:fontRef idx="minor">
+                <a:schemeClr val="lt1"/>
+              </a:fontRef>
+            </p:style>
+            <p:txBody>
+              <a:bodyPr rtlCol="0" anchor="ctr"/>
+              <a:lstStyle/>
+              <a:p>
+                <a:pPr algn="ctr"/>
+                <a:r>
+                  <a:rPr lang="de-DE" sz="1080" b="1" dirty="0">
+                    <a:solidFill>
+                      <a:srgbClr val="3D96FF"/>
+                    </a:solidFill>
+                    <a:latin typeface="Arial monospaced for SAP" panose="020B0609020202030204" pitchFamily="49" charset="0"/>
+                  </a:rPr>
+                  <a:t>5</a:t>
+                </a:r>
+                <a:endParaRPr lang="de-DE" sz="743" b="1" dirty="0">
                   <a:solidFill>
                     <a:srgbClr val="3D96FF"/>
                   </a:solidFill>
                   <a:latin typeface="Arial monospaced for SAP" panose="020B0609020202030204" pitchFamily="49" charset="0"/>
-                </a:rPr>
-                <a:t>5</a:t>
-              </a:r>
-              <a:endParaRPr lang="de-DE" sz="743" b="1" dirty="0">
+                </a:endParaRPr>
+              </a:p>
+            </p:txBody>
+          </p:sp>
+          <p:sp>
+            <p:nvSpPr>
+              <p:cNvPr id="11" name="Oval 10"/>
+              <p:cNvSpPr/>
+              <p:nvPr/>
+            </p:nvSpPr>
+            <p:spPr>
+              <a:xfrm>
+                <a:off x="4286077" y="2963881"/>
+                <a:ext cx="263236" cy="254948"/>
+              </a:xfrm>
+              <a:prstGeom prst="ellipse">
+                <a:avLst/>
+              </a:prstGeom>
+              <a:noFill/>
+              <a:ln w="38100">
                 <a:solidFill>
                   <a:srgbClr val="3D96FF"/>
                 </a:solidFill>
-                <a:latin typeface="Arial monospaced for SAP" panose="020B0609020202030204" pitchFamily="49" charset="0"/>
-              </a:endParaRPr>
-            </a:p>
-          </p:txBody>
-        </p:sp>
-        <p:sp>
-          <p:nvSpPr>
-            <p:cNvPr id="11" name="Oval 10"/>
-            <p:cNvSpPr/>
-            <p:nvPr/>
-          </p:nvSpPr>
-          <p:spPr>
-            <a:xfrm>
-              <a:off x="5299386" y="4205941"/>
-              <a:ext cx="263236" cy="254948"/>
-            </a:xfrm>
-            <a:prstGeom prst="ellipse">
-              <a:avLst/>
-            </a:prstGeom>
-            <a:noFill/>
-            <a:ln w="38100">
-              <a:solidFill>
-                <a:srgbClr val="3D96FF"/>
-              </a:solidFill>
-            </a:ln>
-          </p:spPr>
-          <p:style>
-            <a:lnRef idx="2">
-              <a:schemeClr val="accent1">
-                <a:shade val="50000"/>
-              </a:schemeClr>
-            </a:lnRef>
-            <a:fillRef idx="1">
-              <a:schemeClr val="accent1"/>
-            </a:fillRef>
-            <a:effectRef idx="0">
-              <a:schemeClr val="accent1"/>
-            </a:effectRef>
-            <a:fontRef idx="minor">
-              <a:schemeClr val="lt1"/>
-            </a:fontRef>
-          </p:style>
-          <p:txBody>
-            <a:bodyPr rtlCol="0" anchor="ctr"/>
-            <a:lstStyle/>
-            <a:p>
-              <a:pPr algn="ctr"/>
-              <a:r>
-                <a:rPr lang="de-DE" sz="1080" b="1" dirty="0">
+              </a:ln>
+            </p:spPr>
+            <p:style>
+              <a:lnRef idx="2">
+                <a:schemeClr val="accent1">
+                  <a:shade val="50000"/>
+                </a:schemeClr>
+              </a:lnRef>
+              <a:fillRef idx="1">
+                <a:schemeClr val="accent1"/>
+              </a:fillRef>
+              <a:effectRef idx="0">
+                <a:schemeClr val="accent1"/>
+              </a:effectRef>
+              <a:fontRef idx="minor">
+                <a:schemeClr val="lt1"/>
+              </a:fontRef>
+            </p:style>
+            <p:txBody>
+              <a:bodyPr rtlCol="0" anchor="ctr"/>
+              <a:lstStyle/>
+              <a:p>
+                <a:pPr algn="ctr"/>
+                <a:r>
+                  <a:rPr lang="de-DE" sz="1080" b="1" dirty="0">
+                    <a:solidFill>
+                      <a:srgbClr val="3D96FF"/>
+                    </a:solidFill>
+                    <a:latin typeface="Arial monospaced for SAP" panose="020B0609020202030204" pitchFamily="49" charset="0"/>
+                  </a:rPr>
+                  <a:t>6</a:t>
+                </a:r>
+                <a:endParaRPr lang="de-DE" sz="743" b="1" dirty="0">
                   <a:solidFill>
                     <a:srgbClr val="3D96FF"/>
                   </a:solidFill>
                   <a:latin typeface="Arial monospaced for SAP" panose="020B0609020202030204" pitchFamily="49" charset="0"/>
-                </a:rPr>
-                <a:t>6</a:t>
-              </a:r>
-              <a:endParaRPr lang="de-DE" sz="743" b="1" dirty="0">
+                </a:endParaRPr>
+              </a:p>
+            </p:txBody>
+          </p:sp>
+          <p:sp>
+            <p:nvSpPr>
+              <p:cNvPr id="12" name="Oval 11"/>
+              <p:cNvSpPr/>
+              <p:nvPr/>
+            </p:nvSpPr>
+            <p:spPr>
+              <a:xfrm>
+                <a:off x="2272117" y="7013877"/>
+                <a:ext cx="263236" cy="254948"/>
+              </a:xfrm>
+              <a:prstGeom prst="ellipse">
+                <a:avLst/>
+              </a:prstGeom>
+              <a:noFill/>
+              <a:ln w="38100">
                 <a:solidFill>
                   <a:srgbClr val="3D96FF"/>
                 </a:solidFill>
-                <a:latin typeface="Arial monospaced for SAP" panose="020B0609020202030204" pitchFamily="49" charset="0"/>
-              </a:endParaRPr>
-            </a:p>
-          </p:txBody>
-        </p:sp>
-        <p:sp>
-          <p:nvSpPr>
-            <p:cNvPr id="12" name="Oval 11"/>
-            <p:cNvSpPr/>
-            <p:nvPr/>
-          </p:nvSpPr>
-          <p:spPr>
-            <a:xfrm>
-              <a:off x="2294977" y="6884337"/>
-              <a:ext cx="263236" cy="254948"/>
-            </a:xfrm>
-            <a:prstGeom prst="ellipse">
-              <a:avLst/>
-            </a:prstGeom>
-            <a:noFill/>
-            <a:ln w="38100">
-              <a:solidFill>
-                <a:srgbClr val="3D96FF"/>
-              </a:solidFill>
-            </a:ln>
-          </p:spPr>
-          <p:style>
-            <a:lnRef idx="2">
-              <a:schemeClr val="accent1">
-                <a:shade val="50000"/>
-              </a:schemeClr>
-            </a:lnRef>
-            <a:fillRef idx="1">
-              <a:schemeClr val="accent1"/>
-            </a:fillRef>
-            <a:effectRef idx="0">
-              <a:schemeClr val="accent1"/>
-            </a:effectRef>
-            <a:fontRef idx="minor">
-              <a:schemeClr val="lt1"/>
-            </a:fontRef>
-          </p:style>
-          <p:txBody>
-            <a:bodyPr rtlCol="0" anchor="ctr"/>
-            <a:lstStyle/>
-            <a:p>
-              <a:pPr algn="ctr"/>
-              <a:r>
-                <a:rPr lang="de-DE" sz="1080" b="1" dirty="0">
+              </a:ln>
+            </p:spPr>
+            <p:style>
+              <a:lnRef idx="2">
+                <a:schemeClr val="accent1">
+                  <a:shade val="50000"/>
+                </a:schemeClr>
+              </a:lnRef>
+              <a:fillRef idx="1">
+                <a:schemeClr val="accent1"/>
+              </a:fillRef>
+              <a:effectRef idx="0">
+                <a:schemeClr val="accent1"/>
+              </a:effectRef>
+              <a:fontRef idx="minor">
+                <a:schemeClr val="lt1"/>
+              </a:fontRef>
+            </p:style>
+            <p:txBody>
+              <a:bodyPr rtlCol="0" anchor="ctr"/>
+              <a:lstStyle/>
+              <a:p>
+                <a:pPr algn="ctr"/>
+                <a:r>
+                  <a:rPr lang="de-DE" sz="1080" b="1" dirty="0">
+                    <a:solidFill>
+                      <a:srgbClr val="3D96FF"/>
+                    </a:solidFill>
+                    <a:latin typeface="Arial monospaced for SAP" panose="020B0609020202030204" pitchFamily="49" charset="0"/>
+                  </a:rPr>
+                  <a:t>7</a:t>
+                </a:r>
+                <a:endParaRPr lang="de-DE" sz="743" b="1" dirty="0">
                   <a:solidFill>
                     <a:srgbClr val="3D96FF"/>
                   </a:solidFill>
                   <a:latin typeface="Arial monospaced for SAP" panose="020B0609020202030204" pitchFamily="49" charset="0"/>
-                </a:rPr>
-                <a:t>7</a:t>
-              </a:r>
-              <a:endParaRPr lang="de-DE" sz="743" b="1" dirty="0">
-                <a:solidFill>
-                  <a:srgbClr val="3D96FF"/>
-                </a:solidFill>
-                <a:latin typeface="Arial monospaced for SAP" panose="020B0609020202030204" pitchFamily="49" charset="0"/>
-              </a:endParaRPr>
-            </a:p>
-          </p:txBody>
-        </p:sp>
+                </a:endParaRPr>
+              </a:p>
+            </p:txBody>
+          </p:sp>
+        </p:grpSp>
       </p:grpSp>
     </p:spTree>
     <p:extLst>
@@ -3592,8 +3535,8 @@
         </p:nvSpPr>
         <p:spPr>
           <a:xfrm>
-            <a:off x="60960" y="66675"/>
-            <a:ext cx="6731478" cy="8010525"/>
+            <a:off x="60960" y="221673"/>
+            <a:ext cx="6731478" cy="7855527"/>
           </a:xfrm>
           <a:prstGeom prst="roundRect">
             <a:avLst>
@@ -3668,511 +3611,483 @@
       </p:grpSpPr>
       <p:grpSp>
         <p:nvGrpSpPr>
-          <p:cNvPr id="4" name="Group 3"/>
+          <p:cNvPr id="14" name="Group 13"/>
           <p:cNvGrpSpPr/>
           <p:nvPr/>
         </p:nvGrpSpPr>
         <p:grpSpPr>
           <a:xfrm>
-            <a:off x="1150144" y="125666"/>
-            <a:ext cx="4593879" cy="4451764"/>
-            <a:chOff x="53566" y="186135"/>
-            <a:chExt cx="6804433" cy="6593934"/>
+            <a:off x="22622" y="0"/>
+            <a:ext cx="6858000" cy="5950163"/>
+            <a:chOff x="22622" y="0"/>
+            <a:chExt cx="6858000" cy="5950163"/>
           </a:xfrm>
         </p:grpSpPr>
+        <p:pic>
+          <p:nvPicPr>
+            <p:cNvPr id="13" name="Picture 12"/>
+            <p:cNvPicPr>
+              <a:picLocks noChangeAspect="1"/>
+            </p:cNvPicPr>
+            <p:nvPr/>
+          </p:nvPicPr>
+          <p:blipFill>
+            <a:blip r:embed="rId2" cstate="print">
+              <a:extLst>
+                <a:ext uri="{28A0092B-C50C-407E-A947-70E740481C1C}">
+                  <a14:useLocalDpi xmlns:a14="http://schemas.microsoft.com/office/drawing/2010/main" val="0"/>
+                </a:ext>
+              </a:extLst>
+            </a:blip>
+            <a:stretch>
+              <a:fillRect/>
+            </a:stretch>
+          </p:blipFill>
+          <p:spPr>
+            <a:xfrm>
+              <a:off x="22622" y="0"/>
+              <a:ext cx="6858000" cy="5950163"/>
+            </a:xfrm>
+            <a:prstGeom prst="rect">
+              <a:avLst/>
+            </a:prstGeom>
+          </p:spPr>
+        </p:pic>
         <p:grpSp>
           <p:nvGrpSpPr>
-            <p:cNvPr id="5" name="Group 4"/>
+            <p:cNvPr id="4" name="Group 3"/>
             <p:cNvGrpSpPr/>
             <p:nvPr/>
           </p:nvGrpSpPr>
           <p:grpSpPr>
             <a:xfrm>
-              <a:off x="53566" y="186135"/>
-              <a:ext cx="6804433" cy="6593934"/>
-              <a:chOff x="53566" y="186135"/>
-              <a:chExt cx="6804433" cy="6593934"/>
+              <a:off x="1053921" y="559989"/>
+              <a:ext cx="4539845" cy="4386241"/>
+              <a:chOff x="-88959" y="829453"/>
+              <a:chExt cx="6724399" cy="6496880"/>
             </a:xfrm>
           </p:grpSpPr>
-          <p:pic>
-            <p:nvPicPr>
-              <p:cNvPr id="2" name="Picture 1"/>
-              <p:cNvPicPr>
-                <a:picLocks noChangeAspect="1"/>
-              </p:cNvPicPr>
+          <p:sp>
+            <p:nvSpPr>
+              <p:cNvPr id="6" name="Oval 5"/>
+              <p:cNvSpPr/>
               <p:nvPr/>
-            </p:nvPicPr>
-            <p:blipFill rotWithShape="1">
-              <a:blip r:embed="rId2" cstate="print">
-                <a:extLst>
-                  <a:ext uri="{28A0092B-C50C-407E-A947-70E740481C1C}">
-                    <a14:useLocalDpi xmlns:a14="http://schemas.microsoft.com/office/drawing/2010/main" val="0"/>
-                  </a:ext>
-                </a:extLst>
-              </a:blip>
-              <a:srcRect l="799"/>
-              <a:stretch/>
-            </p:blipFill>
+            </p:nvSpPr>
             <p:spPr>
               <a:xfrm>
-                <a:off x="54768" y="186135"/>
-                <a:ext cx="6803231" cy="3986370"/>
+                <a:off x="1261825" y="4547142"/>
+                <a:ext cx="281940" cy="273061"/>
               </a:xfrm>
-              <a:prstGeom prst="rect">
+              <a:prstGeom prst="ellipse">
                 <a:avLst/>
               </a:prstGeom>
+              <a:noFill/>
+              <a:ln w="38100">
+                <a:solidFill>
+                  <a:srgbClr val="3D96FF"/>
+                </a:solidFill>
+              </a:ln>
             </p:spPr>
-          </p:pic>
-          <p:pic>
-            <p:nvPicPr>
-              <p:cNvPr id="3" name="Picture 2"/>
-              <p:cNvPicPr>
-                <a:picLocks noChangeAspect="1"/>
-              </p:cNvPicPr>
-              <p:nvPr/>
-            </p:nvPicPr>
-            <p:blipFill rotWithShape="1">
-              <a:blip r:embed="rId3" cstate="print">
-                <a:extLst>
-                  <a:ext uri="{28A0092B-C50C-407E-A947-70E740481C1C}">
-                    <a14:useLocalDpi xmlns:a14="http://schemas.microsoft.com/office/drawing/2010/main" val="0"/>
-                  </a:ext>
-                </a:extLst>
-              </a:blip>
-              <a:srcRect l="635" t="8139" r="225"/>
-              <a:stretch/>
-            </p:blipFill>
-            <p:spPr>
-              <a:xfrm>
-                <a:off x="53566" y="3703319"/>
-                <a:ext cx="6799069" cy="3076750"/>
-              </a:xfrm>
-              <a:prstGeom prst="rect">
-                <a:avLst/>
-              </a:prstGeom>
-            </p:spPr>
-          </p:pic>
-        </p:grpSp>
-        <p:sp>
-          <p:nvSpPr>
-            <p:cNvPr id="6" name="Oval 5"/>
-            <p:cNvSpPr/>
-            <p:nvPr/>
-          </p:nvSpPr>
-          <p:spPr>
-            <a:xfrm>
-              <a:off x="1836420" y="3786563"/>
-              <a:ext cx="281940" cy="273062"/>
-            </a:xfrm>
-            <a:prstGeom prst="ellipse">
-              <a:avLst/>
-            </a:prstGeom>
-            <a:noFill/>
-            <a:ln w="38100">
-              <a:solidFill>
-                <a:srgbClr val="3D96FF"/>
-              </a:solidFill>
-            </a:ln>
-          </p:spPr>
-          <p:style>
-            <a:lnRef idx="2">
-              <a:schemeClr val="accent1">
-                <a:shade val="50000"/>
-              </a:schemeClr>
-            </a:lnRef>
-            <a:fillRef idx="1">
-              <a:schemeClr val="accent1"/>
-            </a:fillRef>
-            <a:effectRef idx="0">
-              <a:schemeClr val="accent1"/>
-            </a:effectRef>
-            <a:fontRef idx="minor">
-              <a:schemeClr val="lt1"/>
-            </a:fontRef>
-          </p:style>
-          <p:txBody>
-            <a:bodyPr rtlCol="0" anchor="ctr"/>
-            <a:lstStyle/>
-            <a:p>
-              <a:pPr algn="ctr"/>
-              <a:r>
-                <a:rPr lang="de-DE" sz="1080" b="1" dirty="0">
+            <p:style>
+              <a:lnRef idx="2">
+                <a:schemeClr val="accent1">
+                  <a:shade val="50000"/>
+                </a:schemeClr>
+              </a:lnRef>
+              <a:fillRef idx="1">
+                <a:schemeClr val="accent1"/>
+              </a:fillRef>
+              <a:effectRef idx="0">
+                <a:schemeClr val="accent1"/>
+              </a:effectRef>
+              <a:fontRef idx="minor">
+                <a:schemeClr val="lt1"/>
+              </a:fontRef>
+            </p:style>
+            <p:txBody>
+              <a:bodyPr rtlCol="0" anchor="ctr"/>
+              <a:lstStyle/>
+              <a:p>
+                <a:pPr algn="ctr"/>
+                <a:r>
+                  <a:rPr lang="de-DE" sz="1080" b="1" dirty="0">
+                    <a:solidFill>
+                      <a:srgbClr val="3D96FF"/>
+                    </a:solidFill>
+                    <a:latin typeface="Arial monospaced for SAP" panose="020B0609020202030204" pitchFamily="49" charset="0"/>
+                  </a:rPr>
+                  <a:t>1</a:t>
+                </a:r>
+                <a:endParaRPr lang="de-DE" sz="743" b="1" dirty="0">
                   <a:solidFill>
                     <a:srgbClr val="3D96FF"/>
                   </a:solidFill>
                   <a:latin typeface="Arial monospaced for SAP" panose="020B0609020202030204" pitchFamily="49" charset="0"/>
-                </a:rPr>
-                <a:t>1</a:t>
-              </a:r>
-              <a:endParaRPr lang="de-DE" sz="743" b="1" dirty="0">
+                </a:endParaRPr>
+              </a:p>
+            </p:txBody>
+          </p:sp>
+          <p:sp>
+            <p:nvSpPr>
+              <p:cNvPr id="7" name="Oval 6"/>
+              <p:cNvSpPr/>
+              <p:nvPr/>
+            </p:nvSpPr>
+            <p:spPr>
+              <a:xfrm>
+                <a:off x="-88959" y="4820204"/>
+                <a:ext cx="281940" cy="273061"/>
+              </a:xfrm>
+              <a:prstGeom prst="ellipse">
+                <a:avLst/>
+              </a:prstGeom>
+              <a:noFill/>
+              <a:ln w="38100">
                 <a:solidFill>
                   <a:srgbClr val="3D96FF"/>
                 </a:solidFill>
-                <a:latin typeface="Arial monospaced for SAP" panose="020B0609020202030204" pitchFamily="49" charset="0"/>
-              </a:endParaRPr>
-            </a:p>
-          </p:txBody>
-        </p:sp>
-        <p:sp>
-          <p:nvSpPr>
-            <p:cNvPr id="7" name="Oval 6"/>
-            <p:cNvSpPr/>
-            <p:nvPr/>
-          </p:nvSpPr>
-          <p:spPr>
-            <a:xfrm>
-              <a:off x="990600" y="4093894"/>
-              <a:ext cx="281940" cy="273062"/>
-            </a:xfrm>
-            <a:prstGeom prst="ellipse">
-              <a:avLst/>
-            </a:prstGeom>
-            <a:noFill/>
-            <a:ln w="38100">
-              <a:solidFill>
-                <a:srgbClr val="3D96FF"/>
-              </a:solidFill>
-            </a:ln>
-          </p:spPr>
-          <p:style>
-            <a:lnRef idx="2">
-              <a:schemeClr val="accent1">
-                <a:shade val="50000"/>
-              </a:schemeClr>
-            </a:lnRef>
-            <a:fillRef idx="1">
-              <a:schemeClr val="accent1"/>
-            </a:fillRef>
-            <a:effectRef idx="0">
-              <a:schemeClr val="accent1"/>
-            </a:effectRef>
-            <a:fontRef idx="minor">
-              <a:schemeClr val="lt1"/>
-            </a:fontRef>
-          </p:style>
-          <p:txBody>
-            <a:bodyPr rtlCol="0" anchor="ctr"/>
-            <a:lstStyle/>
-            <a:p>
-              <a:pPr algn="ctr"/>
-              <a:r>
-                <a:rPr lang="de-DE" sz="1080" b="1" dirty="0">
+              </a:ln>
+            </p:spPr>
+            <p:style>
+              <a:lnRef idx="2">
+                <a:schemeClr val="accent1">
+                  <a:shade val="50000"/>
+                </a:schemeClr>
+              </a:lnRef>
+              <a:fillRef idx="1">
+                <a:schemeClr val="accent1"/>
+              </a:fillRef>
+              <a:effectRef idx="0">
+                <a:schemeClr val="accent1"/>
+              </a:effectRef>
+              <a:fontRef idx="minor">
+                <a:schemeClr val="lt1"/>
+              </a:fontRef>
+            </p:style>
+            <p:txBody>
+              <a:bodyPr rtlCol="0" anchor="ctr"/>
+              <a:lstStyle/>
+              <a:p>
+                <a:pPr algn="ctr"/>
+                <a:r>
+                  <a:rPr lang="de-DE" sz="1080" b="1" dirty="0">
+                    <a:solidFill>
+                      <a:srgbClr val="3D96FF"/>
+                    </a:solidFill>
+                    <a:latin typeface="Arial monospaced for SAP" panose="020B0609020202030204" pitchFamily="49" charset="0"/>
+                  </a:rPr>
+                  <a:t>2</a:t>
+                </a:r>
+                <a:endParaRPr lang="de-DE" sz="743" b="1" dirty="0">
                   <a:solidFill>
                     <a:srgbClr val="3D96FF"/>
                   </a:solidFill>
                   <a:latin typeface="Arial monospaced for SAP" panose="020B0609020202030204" pitchFamily="49" charset="0"/>
-                </a:rPr>
-                <a:t>2</a:t>
-              </a:r>
-              <a:endParaRPr lang="de-DE" sz="743" b="1" dirty="0">
+                </a:endParaRPr>
+              </a:p>
+            </p:txBody>
+          </p:sp>
+          <p:sp>
+            <p:nvSpPr>
+              <p:cNvPr id="8" name="Oval 7"/>
+              <p:cNvSpPr/>
+              <p:nvPr/>
+            </p:nvSpPr>
+            <p:spPr>
+              <a:xfrm>
+                <a:off x="4463585" y="1102514"/>
+                <a:ext cx="281940" cy="273061"/>
+              </a:xfrm>
+              <a:prstGeom prst="ellipse">
+                <a:avLst/>
+              </a:prstGeom>
+              <a:noFill/>
+              <a:ln w="38100">
                 <a:solidFill>
                   <a:srgbClr val="3D96FF"/>
                 </a:solidFill>
-                <a:latin typeface="Arial monospaced for SAP" panose="020B0609020202030204" pitchFamily="49" charset="0"/>
-              </a:endParaRPr>
-            </a:p>
-          </p:txBody>
-        </p:sp>
-        <p:sp>
-          <p:nvSpPr>
-            <p:cNvPr id="8" name="Oval 7"/>
-            <p:cNvSpPr/>
-            <p:nvPr/>
-          </p:nvSpPr>
-          <p:spPr>
-            <a:xfrm>
-              <a:off x="4381500" y="859493"/>
-              <a:ext cx="281940" cy="273062"/>
-            </a:xfrm>
-            <a:prstGeom prst="ellipse">
-              <a:avLst/>
-            </a:prstGeom>
-            <a:noFill/>
-            <a:ln w="38100">
-              <a:solidFill>
-                <a:srgbClr val="3D96FF"/>
-              </a:solidFill>
-            </a:ln>
-          </p:spPr>
-          <p:style>
-            <a:lnRef idx="2">
-              <a:schemeClr val="accent1">
-                <a:shade val="50000"/>
-              </a:schemeClr>
-            </a:lnRef>
-            <a:fillRef idx="1">
-              <a:schemeClr val="accent1"/>
-            </a:fillRef>
-            <a:effectRef idx="0">
-              <a:schemeClr val="accent1"/>
-            </a:effectRef>
-            <a:fontRef idx="minor">
-              <a:schemeClr val="lt1"/>
-            </a:fontRef>
-          </p:style>
-          <p:txBody>
-            <a:bodyPr rtlCol="0" anchor="ctr"/>
-            <a:lstStyle/>
-            <a:p>
-              <a:pPr algn="ctr"/>
-              <a:r>
-                <a:rPr lang="de-DE" sz="1080" b="1" dirty="0">
+              </a:ln>
+            </p:spPr>
+            <p:style>
+              <a:lnRef idx="2">
+                <a:schemeClr val="accent1">
+                  <a:shade val="50000"/>
+                </a:schemeClr>
+              </a:lnRef>
+              <a:fillRef idx="1">
+                <a:schemeClr val="accent1"/>
+              </a:fillRef>
+              <a:effectRef idx="0">
+                <a:schemeClr val="accent1"/>
+              </a:effectRef>
+              <a:fontRef idx="minor">
+                <a:schemeClr val="lt1"/>
+              </a:fontRef>
+            </p:style>
+            <p:txBody>
+              <a:bodyPr rtlCol="0" anchor="ctr"/>
+              <a:lstStyle/>
+              <a:p>
+                <a:pPr algn="ctr"/>
+                <a:r>
+                  <a:rPr lang="de-DE" sz="1080" b="1" dirty="0">
+                    <a:solidFill>
+                      <a:srgbClr val="3D96FF"/>
+                    </a:solidFill>
+                    <a:latin typeface="Arial monospaced for SAP" panose="020B0609020202030204" pitchFamily="49" charset="0"/>
+                  </a:rPr>
+                  <a:t>3</a:t>
+                </a:r>
+                <a:endParaRPr lang="de-DE" sz="743" b="1" dirty="0">
                   <a:solidFill>
                     <a:srgbClr val="3D96FF"/>
                   </a:solidFill>
                   <a:latin typeface="Arial monospaced for SAP" panose="020B0609020202030204" pitchFamily="49" charset="0"/>
-                </a:rPr>
-                <a:t>3</a:t>
-              </a:r>
-              <a:endParaRPr lang="de-DE" sz="743" b="1" dirty="0">
+                </a:endParaRPr>
+              </a:p>
+            </p:txBody>
+          </p:sp>
+          <p:sp>
+            <p:nvSpPr>
+              <p:cNvPr id="9" name="Oval 8"/>
+              <p:cNvSpPr/>
+              <p:nvPr/>
+            </p:nvSpPr>
+            <p:spPr>
+              <a:xfrm>
+                <a:off x="2614539" y="829453"/>
+                <a:ext cx="281940" cy="273061"/>
+              </a:xfrm>
+              <a:prstGeom prst="ellipse">
+                <a:avLst/>
+              </a:prstGeom>
+              <a:noFill/>
+              <a:ln w="38100">
                 <a:solidFill>
                   <a:srgbClr val="3D96FF"/>
                 </a:solidFill>
-                <a:latin typeface="Arial monospaced for SAP" panose="020B0609020202030204" pitchFamily="49" charset="0"/>
-              </a:endParaRPr>
-            </a:p>
-          </p:txBody>
-        </p:sp>
-        <p:sp>
-          <p:nvSpPr>
-            <p:cNvPr id="9" name="Oval 8"/>
-            <p:cNvSpPr/>
-            <p:nvPr/>
-          </p:nvSpPr>
-          <p:spPr>
-            <a:xfrm>
-              <a:off x="2956560" y="859493"/>
-              <a:ext cx="281940" cy="273062"/>
-            </a:xfrm>
-            <a:prstGeom prst="ellipse">
-              <a:avLst/>
-            </a:prstGeom>
-            <a:noFill/>
-            <a:ln w="38100">
-              <a:solidFill>
-                <a:srgbClr val="3D96FF"/>
-              </a:solidFill>
-            </a:ln>
-          </p:spPr>
-          <p:style>
-            <a:lnRef idx="2">
-              <a:schemeClr val="accent1">
-                <a:shade val="50000"/>
-              </a:schemeClr>
-            </a:lnRef>
-            <a:fillRef idx="1">
-              <a:schemeClr val="accent1"/>
-            </a:fillRef>
-            <a:effectRef idx="0">
-              <a:schemeClr val="accent1"/>
-            </a:effectRef>
-            <a:fontRef idx="minor">
-              <a:schemeClr val="lt1"/>
-            </a:fontRef>
-          </p:style>
-          <p:txBody>
-            <a:bodyPr rtlCol="0" anchor="ctr"/>
-            <a:lstStyle/>
-            <a:p>
-              <a:pPr algn="ctr"/>
-              <a:r>
-                <a:rPr lang="de-DE" sz="1080" b="1" dirty="0">
+              </a:ln>
+            </p:spPr>
+            <p:style>
+              <a:lnRef idx="2">
+                <a:schemeClr val="accent1">
+                  <a:shade val="50000"/>
+                </a:schemeClr>
+              </a:lnRef>
+              <a:fillRef idx="1">
+                <a:schemeClr val="accent1"/>
+              </a:fillRef>
+              <a:effectRef idx="0">
+                <a:schemeClr val="accent1"/>
+              </a:effectRef>
+              <a:fontRef idx="minor">
+                <a:schemeClr val="lt1"/>
+              </a:fontRef>
+            </p:style>
+            <p:txBody>
+              <a:bodyPr rtlCol="0" anchor="ctr"/>
+              <a:lstStyle/>
+              <a:p>
+                <a:pPr algn="ctr"/>
+                <a:r>
+                  <a:rPr lang="de-DE" sz="1080" b="1" dirty="0">
+                    <a:solidFill>
+                      <a:srgbClr val="3D96FF"/>
+                    </a:solidFill>
+                    <a:latin typeface="Arial monospaced for SAP" panose="020B0609020202030204" pitchFamily="49" charset="0"/>
+                  </a:rPr>
+                  <a:t>4</a:t>
+                </a:r>
+                <a:endParaRPr lang="de-DE" sz="743" b="1" dirty="0">
                   <a:solidFill>
                     <a:srgbClr val="3D96FF"/>
                   </a:solidFill>
                   <a:latin typeface="Arial monospaced for SAP" panose="020B0609020202030204" pitchFamily="49" charset="0"/>
-                </a:rPr>
-                <a:t>4</a:t>
-              </a:r>
-              <a:endParaRPr lang="de-DE" sz="743" b="1" dirty="0">
+                </a:endParaRPr>
+              </a:p>
+            </p:txBody>
+          </p:sp>
+          <p:sp>
+            <p:nvSpPr>
+              <p:cNvPr id="10" name="Oval 9"/>
+              <p:cNvSpPr/>
+              <p:nvPr/>
+            </p:nvSpPr>
+            <p:spPr>
+              <a:xfrm>
+                <a:off x="6353500" y="4547142"/>
+                <a:ext cx="281940" cy="273061"/>
+              </a:xfrm>
+              <a:prstGeom prst="ellipse">
+                <a:avLst/>
+              </a:prstGeom>
+              <a:noFill/>
+              <a:ln w="38100">
                 <a:solidFill>
                   <a:srgbClr val="3D96FF"/>
                 </a:solidFill>
-                <a:latin typeface="Arial monospaced for SAP" panose="020B0609020202030204" pitchFamily="49" charset="0"/>
-              </a:endParaRPr>
-            </a:p>
-          </p:txBody>
-        </p:sp>
-        <p:sp>
-          <p:nvSpPr>
-            <p:cNvPr id="10" name="Oval 9"/>
-            <p:cNvSpPr/>
-            <p:nvPr/>
-          </p:nvSpPr>
-          <p:spPr>
-            <a:xfrm>
-              <a:off x="5737860" y="3786563"/>
-              <a:ext cx="281940" cy="273062"/>
-            </a:xfrm>
-            <a:prstGeom prst="ellipse">
-              <a:avLst/>
-            </a:prstGeom>
-            <a:noFill/>
-            <a:ln w="38100">
-              <a:solidFill>
-                <a:srgbClr val="3D96FF"/>
-              </a:solidFill>
-            </a:ln>
-          </p:spPr>
-          <p:style>
-            <a:lnRef idx="2">
-              <a:schemeClr val="accent1">
-                <a:shade val="50000"/>
-              </a:schemeClr>
-            </a:lnRef>
-            <a:fillRef idx="1">
-              <a:schemeClr val="accent1"/>
-            </a:fillRef>
-            <a:effectRef idx="0">
-              <a:schemeClr val="accent1"/>
-            </a:effectRef>
-            <a:fontRef idx="minor">
-              <a:schemeClr val="lt1"/>
-            </a:fontRef>
-          </p:style>
-          <p:txBody>
-            <a:bodyPr rtlCol="0" anchor="ctr"/>
-            <a:lstStyle/>
-            <a:p>
-              <a:pPr algn="ctr"/>
-              <a:r>
-                <a:rPr lang="de-DE" sz="1080" b="1" dirty="0">
+              </a:ln>
+            </p:spPr>
+            <p:style>
+              <a:lnRef idx="2">
+                <a:schemeClr val="accent1">
+                  <a:shade val="50000"/>
+                </a:schemeClr>
+              </a:lnRef>
+              <a:fillRef idx="1">
+                <a:schemeClr val="accent1"/>
+              </a:fillRef>
+              <a:effectRef idx="0">
+                <a:schemeClr val="accent1"/>
+              </a:effectRef>
+              <a:fontRef idx="minor">
+                <a:schemeClr val="lt1"/>
+              </a:fontRef>
+            </p:style>
+            <p:txBody>
+              <a:bodyPr rtlCol="0" anchor="ctr"/>
+              <a:lstStyle/>
+              <a:p>
+                <a:pPr algn="ctr"/>
+                <a:r>
+                  <a:rPr lang="de-DE" sz="1080" b="1" dirty="0">
+                    <a:solidFill>
+                      <a:srgbClr val="3D96FF"/>
+                    </a:solidFill>
+                    <a:latin typeface="Arial monospaced for SAP" panose="020B0609020202030204" pitchFamily="49" charset="0"/>
+                  </a:rPr>
+                  <a:t>5</a:t>
+                </a:r>
+                <a:endParaRPr lang="de-DE" sz="743" b="1" dirty="0">
                   <a:solidFill>
                     <a:srgbClr val="3D96FF"/>
                   </a:solidFill>
                   <a:latin typeface="Arial monospaced for SAP" panose="020B0609020202030204" pitchFamily="49" charset="0"/>
-                </a:rPr>
-                <a:t>5</a:t>
-              </a:r>
-              <a:endParaRPr lang="de-DE" sz="743" b="1" dirty="0">
+                </a:endParaRPr>
+              </a:p>
+            </p:txBody>
+          </p:sp>
+          <p:sp>
+            <p:nvSpPr>
+              <p:cNvPr id="11" name="Oval 10"/>
+              <p:cNvSpPr/>
+              <p:nvPr/>
+            </p:nvSpPr>
+            <p:spPr>
+              <a:xfrm>
+                <a:off x="-88959" y="5340632"/>
+                <a:ext cx="281940" cy="273061"/>
+              </a:xfrm>
+              <a:prstGeom prst="ellipse">
+                <a:avLst/>
+              </a:prstGeom>
+              <a:noFill/>
+              <a:ln w="38100">
                 <a:solidFill>
                   <a:srgbClr val="3D96FF"/>
                 </a:solidFill>
-                <a:latin typeface="Arial monospaced for SAP" panose="020B0609020202030204" pitchFamily="49" charset="0"/>
-              </a:endParaRPr>
-            </a:p>
-          </p:txBody>
-        </p:sp>
-        <p:sp>
-          <p:nvSpPr>
-            <p:cNvPr id="11" name="Oval 10"/>
-            <p:cNvSpPr/>
-            <p:nvPr/>
-          </p:nvSpPr>
-          <p:spPr>
-            <a:xfrm>
-              <a:off x="1470660" y="4547143"/>
-              <a:ext cx="281940" cy="273062"/>
-            </a:xfrm>
-            <a:prstGeom prst="ellipse">
-              <a:avLst/>
-            </a:prstGeom>
-            <a:noFill/>
-            <a:ln w="38100">
-              <a:solidFill>
-                <a:srgbClr val="3D96FF"/>
-              </a:solidFill>
-            </a:ln>
-          </p:spPr>
-          <p:style>
-            <a:lnRef idx="2">
-              <a:schemeClr val="accent1">
-                <a:shade val="50000"/>
-              </a:schemeClr>
-            </a:lnRef>
-            <a:fillRef idx="1">
-              <a:schemeClr val="accent1"/>
-            </a:fillRef>
-            <a:effectRef idx="0">
-              <a:schemeClr val="accent1"/>
-            </a:effectRef>
-            <a:fontRef idx="minor">
-              <a:schemeClr val="lt1"/>
-            </a:fontRef>
-          </p:style>
-          <p:txBody>
-            <a:bodyPr rtlCol="0" anchor="ctr"/>
-            <a:lstStyle/>
-            <a:p>
-              <a:pPr algn="ctr"/>
-              <a:r>
-                <a:rPr lang="de-DE" sz="1080" b="1" dirty="0">
+              </a:ln>
+            </p:spPr>
+            <p:style>
+              <a:lnRef idx="2">
+                <a:schemeClr val="accent1">
+                  <a:shade val="50000"/>
+                </a:schemeClr>
+              </a:lnRef>
+              <a:fillRef idx="1">
+                <a:schemeClr val="accent1"/>
+              </a:fillRef>
+              <a:effectRef idx="0">
+                <a:schemeClr val="accent1"/>
+              </a:effectRef>
+              <a:fontRef idx="minor">
+                <a:schemeClr val="lt1"/>
+              </a:fontRef>
+            </p:style>
+            <p:txBody>
+              <a:bodyPr rtlCol="0" anchor="ctr"/>
+              <a:lstStyle/>
+              <a:p>
+                <a:pPr algn="ctr"/>
+                <a:r>
+                  <a:rPr lang="de-DE" sz="1080" b="1" dirty="0">
+                    <a:solidFill>
+                      <a:srgbClr val="3D96FF"/>
+                    </a:solidFill>
+                    <a:latin typeface="Arial monospaced for SAP" panose="020B0609020202030204" pitchFamily="49" charset="0"/>
+                  </a:rPr>
+                  <a:t>6</a:t>
+                </a:r>
+                <a:endParaRPr lang="de-DE" sz="743" b="1" dirty="0">
                   <a:solidFill>
                     <a:srgbClr val="3D96FF"/>
                   </a:solidFill>
                   <a:latin typeface="Arial monospaced for SAP" panose="020B0609020202030204" pitchFamily="49" charset="0"/>
-                </a:rPr>
-                <a:t>6</a:t>
-              </a:r>
-              <a:endParaRPr lang="de-DE" sz="743" b="1" dirty="0">
+                </a:endParaRPr>
+              </a:p>
+            </p:txBody>
+          </p:sp>
+          <p:sp>
+            <p:nvSpPr>
+              <p:cNvPr id="12" name="Oval 11"/>
+              <p:cNvSpPr/>
+              <p:nvPr/>
+            </p:nvSpPr>
+            <p:spPr>
+              <a:xfrm>
+                <a:off x="430914" y="7053272"/>
+                <a:ext cx="281940" cy="273061"/>
+              </a:xfrm>
+              <a:prstGeom prst="ellipse">
+                <a:avLst/>
+              </a:prstGeom>
+              <a:noFill/>
+              <a:ln w="38100">
                 <a:solidFill>
                   <a:srgbClr val="3D96FF"/>
                 </a:solidFill>
-                <a:latin typeface="Arial monospaced for SAP" panose="020B0609020202030204" pitchFamily="49" charset="0"/>
-              </a:endParaRPr>
-            </a:p>
-          </p:txBody>
-        </p:sp>
-        <p:sp>
-          <p:nvSpPr>
-            <p:cNvPr id="12" name="Oval 11"/>
-            <p:cNvSpPr/>
-            <p:nvPr/>
-          </p:nvSpPr>
-          <p:spPr>
-            <a:xfrm>
-              <a:off x="1470660" y="5534695"/>
-              <a:ext cx="281940" cy="273062"/>
-            </a:xfrm>
-            <a:prstGeom prst="ellipse">
-              <a:avLst/>
-            </a:prstGeom>
-            <a:noFill/>
-            <a:ln w="38100">
-              <a:solidFill>
-                <a:srgbClr val="3D96FF"/>
-              </a:solidFill>
-            </a:ln>
-          </p:spPr>
-          <p:style>
-            <a:lnRef idx="2">
-              <a:schemeClr val="accent1">
-                <a:shade val="50000"/>
-              </a:schemeClr>
-            </a:lnRef>
-            <a:fillRef idx="1">
-              <a:schemeClr val="accent1"/>
-            </a:fillRef>
-            <a:effectRef idx="0">
-              <a:schemeClr val="accent1"/>
-            </a:effectRef>
-            <a:fontRef idx="minor">
-              <a:schemeClr val="lt1"/>
-            </a:fontRef>
-          </p:style>
-          <p:txBody>
-            <a:bodyPr rtlCol="0" anchor="ctr"/>
-            <a:lstStyle/>
-            <a:p>
-              <a:pPr algn="ctr"/>
-              <a:r>
-                <a:rPr lang="de-DE" sz="1080" b="1" dirty="0">
+              </a:ln>
+            </p:spPr>
+            <p:style>
+              <a:lnRef idx="2">
+                <a:schemeClr val="accent1">
+                  <a:shade val="50000"/>
+                </a:schemeClr>
+              </a:lnRef>
+              <a:fillRef idx="1">
+                <a:schemeClr val="accent1"/>
+              </a:fillRef>
+              <a:effectRef idx="0">
+                <a:schemeClr val="accent1"/>
+              </a:effectRef>
+              <a:fontRef idx="minor">
+                <a:schemeClr val="lt1"/>
+              </a:fontRef>
+            </p:style>
+            <p:txBody>
+              <a:bodyPr rtlCol="0" anchor="ctr"/>
+              <a:lstStyle/>
+              <a:p>
+                <a:pPr algn="ctr"/>
+                <a:r>
+                  <a:rPr lang="de-DE" sz="1080" b="1" dirty="0">
+                    <a:solidFill>
+                      <a:srgbClr val="3D96FF"/>
+                    </a:solidFill>
+                    <a:latin typeface="Arial monospaced for SAP" panose="020B0609020202030204" pitchFamily="49" charset="0"/>
+                  </a:rPr>
+                  <a:t>7</a:t>
+                </a:r>
+                <a:endParaRPr lang="de-DE" sz="743" b="1" dirty="0">
                   <a:solidFill>
                     <a:srgbClr val="3D96FF"/>
                   </a:solidFill>
                   <a:latin typeface="Arial monospaced for SAP" panose="020B0609020202030204" pitchFamily="49" charset="0"/>
-                </a:rPr>
-                <a:t>7</a:t>
-              </a:r>
-              <a:endParaRPr lang="de-DE" sz="743" b="1" dirty="0">
-                <a:solidFill>
-                  <a:srgbClr val="3D96FF"/>
-                </a:solidFill>
-                <a:latin typeface="Arial monospaced for SAP" panose="020B0609020202030204" pitchFamily="49" charset="0"/>
-              </a:endParaRPr>
-            </a:p>
-          </p:txBody>
-        </p:sp>
+                </a:endParaRPr>
+              </a:p>
+            </p:txBody>
+          </p:sp>
+        </p:grpSp>
       </p:grpSp>
     </p:spTree>
     <p:extLst>
@@ -4212,8 +4127,8 @@
         </p:nvSpPr>
         <p:spPr>
           <a:xfrm>
-            <a:off x="28575" y="523738"/>
-            <a:ext cx="6775601" cy="6912635"/>
+            <a:off x="28575" y="1117600"/>
+            <a:ext cx="6775601" cy="6318773"/>
           </a:xfrm>
           <a:prstGeom prst="roundRect">
             <a:avLst>
@@ -4287,540 +4202,483 @@
       </p:grpSpPr>
       <p:grpSp>
         <p:nvGrpSpPr>
-          <p:cNvPr id="13" name="Group 12"/>
+          <p:cNvPr id="15" name="Group 14"/>
           <p:cNvGrpSpPr/>
           <p:nvPr/>
         </p:nvGrpSpPr>
         <p:grpSpPr>
           <a:xfrm>
-            <a:off x="1133475" y="855551"/>
-            <a:ext cx="4337049" cy="5004268"/>
-            <a:chOff x="34653" y="77526"/>
-            <a:chExt cx="6828682" cy="7647249"/>
+            <a:off x="0" y="120158"/>
+            <a:ext cx="6858000" cy="7770040"/>
+            <a:chOff x="0" y="120158"/>
+            <a:chExt cx="6858000" cy="7770040"/>
           </a:xfrm>
         </p:grpSpPr>
+        <p:pic>
+          <p:nvPicPr>
+            <p:cNvPr id="14" name="Picture 13"/>
+            <p:cNvPicPr>
+              <a:picLocks noChangeAspect="1"/>
+            </p:cNvPicPr>
+            <p:nvPr/>
+          </p:nvPicPr>
+          <p:blipFill>
+            <a:blip r:embed="rId2" cstate="print">
+              <a:extLst>
+                <a:ext uri="{28A0092B-C50C-407E-A947-70E740481C1C}">
+                  <a14:useLocalDpi xmlns:a14="http://schemas.microsoft.com/office/drawing/2010/main" val="0"/>
+                </a:ext>
+              </a:extLst>
+            </a:blip>
+            <a:stretch>
+              <a:fillRect/>
+            </a:stretch>
+          </p:blipFill>
+          <p:spPr>
+            <a:xfrm>
+              <a:off x="0" y="120158"/>
+              <a:ext cx="6858000" cy="7770040"/>
+            </a:xfrm>
+            <a:prstGeom prst="rect">
+              <a:avLst/>
+            </a:prstGeom>
+          </p:spPr>
+        </p:pic>
         <p:grpSp>
           <p:nvGrpSpPr>
-            <p:cNvPr id="5" name="Group 4"/>
+            <p:cNvPr id="13" name="Group 12"/>
             <p:cNvGrpSpPr/>
             <p:nvPr/>
           </p:nvGrpSpPr>
           <p:grpSpPr>
             <a:xfrm>
-              <a:off x="34653" y="77526"/>
-              <a:ext cx="6828682" cy="7647249"/>
-              <a:chOff x="34653" y="77526"/>
-              <a:chExt cx="6828682" cy="7647249"/>
+              <a:off x="2258460" y="656701"/>
+              <a:ext cx="1759206" cy="6239905"/>
+              <a:chOff x="1805941" y="-226345"/>
+              <a:chExt cx="2769869" cy="9535481"/>
             </a:xfrm>
           </p:grpSpPr>
-          <p:pic>
-            <p:nvPicPr>
-              <p:cNvPr id="2" name="Picture 1"/>
-              <p:cNvPicPr>
-                <a:picLocks noChangeAspect="1"/>
-              </p:cNvPicPr>
+          <p:sp>
+            <p:nvSpPr>
+              <p:cNvPr id="6" name="Oval 5"/>
+              <p:cNvSpPr/>
               <p:nvPr/>
-            </p:nvPicPr>
-            <p:blipFill rotWithShape="1">
-              <a:blip r:embed="rId2" cstate="print">
-                <a:extLst>
-                  <a:ext uri="{28A0092B-C50C-407E-A947-70E740481C1C}">
-                    <a14:useLocalDpi xmlns:a14="http://schemas.microsoft.com/office/drawing/2010/main" val="0"/>
-                  </a:ext>
-                </a:extLst>
-              </a:blip>
-              <a:srcRect l="577" r="214"/>
-              <a:stretch/>
-            </p:blipFill>
+            </p:nvSpPr>
             <p:spPr>
               <a:xfrm>
-                <a:off x="39653" y="77526"/>
-                <a:ext cx="6803688" cy="3978797"/>
+                <a:off x="1805941" y="2202680"/>
+                <a:ext cx="281939" cy="273063"/>
               </a:xfrm>
-              <a:prstGeom prst="rect">
+              <a:prstGeom prst="ellipse">
                 <a:avLst/>
               </a:prstGeom>
+              <a:noFill/>
+              <a:ln w="38100">
+                <a:solidFill>
+                  <a:srgbClr val="3D96FF"/>
+                </a:solidFill>
+              </a:ln>
             </p:spPr>
-          </p:pic>
-          <p:pic>
-            <p:nvPicPr>
-              <p:cNvPr id="3" name="Picture 2"/>
-              <p:cNvPicPr>
-                <a:picLocks noChangeAspect="1"/>
-              </p:cNvPicPr>
-              <p:nvPr/>
-            </p:nvPicPr>
-            <p:blipFill rotWithShape="1">
-              <a:blip r:embed="rId3" cstate="print">
-                <a:extLst>
-                  <a:ext uri="{28A0092B-C50C-407E-A947-70E740481C1C}">
-                    <a14:useLocalDpi xmlns:a14="http://schemas.microsoft.com/office/drawing/2010/main" val="0"/>
-                  </a:ext>
-                </a:extLst>
-              </a:blip>
-              <a:srcRect l="507" r="-322"/>
-              <a:stretch/>
-            </p:blipFill>
-            <p:spPr>
-              <a:xfrm>
-                <a:off x="34653" y="3298928"/>
-                <a:ext cx="6828682" cy="3822492"/>
-              </a:xfrm>
-              <a:prstGeom prst="rect">
-                <a:avLst/>
-              </a:prstGeom>
-            </p:spPr>
-          </p:pic>
-          <p:pic>
-            <p:nvPicPr>
-              <p:cNvPr id="4" name="Picture 3"/>
-              <p:cNvPicPr>
-                <a:picLocks noChangeAspect="1"/>
-              </p:cNvPicPr>
-              <p:nvPr/>
-            </p:nvPicPr>
-            <p:blipFill rotWithShape="1">
-              <a:blip r:embed="rId4" cstate="print">
-                <a:extLst>
-                  <a:ext uri="{28A0092B-C50C-407E-A947-70E740481C1C}">
-                    <a14:useLocalDpi xmlns:a14="http://schemas.microsoft.com/office/drawing/2010/main" val="0"/>
-                  </a:ext>
-                </a:extLst>
-              </a:blip>
-              <a:srcRect l="799" b="5335"/>
-              <a:stretch/>
-            </p:blipFill>
-            <p:spPr>
-              <a:xfrm>
-                <a:off x="35954" y="6193995"/>
-                <a:ext cx="6803230" cy="1530780"/>
-              </a:xfrm>
-              <a:prstGeom prst="rect">
-                <a:avLst/>
-              </a:prstGeom>
-            </p:spPr>
-          </p:pic>
-        </p:grpSp>
-        <p:sp>
-          <p:nvSpPr>
-            <p:cNvPr id="6" name="Oval 5"/>
-            <p:cNvSpPr/>
-            <p:nvPr/>
-          </p:nvSpPr>
-          <p:spPr>
-            <a:xfrm>
-              <a:off x="1684020" y="2609311"/>
-              <a:ext cx="281940" cy="273062"/>
-            </a:xfrm>
-            <a:prstGeom prst="ellipse">
-              <a:avLst/>
-            </a:prstGeom>
-            <a:noFill/>
-            <a:ln w="38100">
-              <a:solidFill>
-                <a:srgbClr val="3D96FF"/>
-              </a:solidFill>
-            </a:ln>
-          </p:spPr>
-          <p:style>
-            <a:lnRef idx="2">
-              <a:schemeClr val="accent1">
-                <a:shade val="50000"/>
-              </a:schemeClr>
-            </a:lnRef>
-            <a:fillRef idx="1">
-              <a:schemeClr val="accent1"/>
-            </a:fillRef>
-            <a:effectRef idx="0">
-              <a:schemeClr val="accent1"/>
-            </a:effectRef>
-            <a:fontRef idx="minor">
-              <a:schemeClr val="lt1"/>
-            </a:fontRef>
-          </p:style>
-          <p:txBody>
-            <a:bodyPr rtlCol="0" anchor="ctr"/>
-            <a:lstStyle/>
-            <a:p>
-              <a:pPr algn="ctr"/>
-              <a:r>
-                <a:rPr lang="de-DE" sz="1080" b="1" dirty="0">
+            <p:style>
+              <a:lnRef idx="2">
+                <a:schemeClr val="accent1">
+                  <a:shade val="50000"/>
+                </a:schemeClr>
+              </a:lnRef>
+              <a:fillRef idx="1">
+                <a:schemeClr val="accent1"/>
+              </a:fillRef>
+              <a:effectRef idx="0">
+                <a:schemeClr val="accent1"/>
+              </a:effectRef>
+              <a:fontRef idx="minor">
+                <a:schemeClr val="lt1"/>
+              </a:fontRef>
+            </p:style>
+            <p:txBody>
+              <a:bodyPr rtlCol="0" anchor="ctr"/>
+              <a:lstStyle/>
+              <a:p>
+                <a:pPr algn="ctr"/>
+                <a:r>
+                  <a:rPr lang="de-DE" sz="1080" b="1" dirty="0">
+                    <a:solidFill>
+                      <a:srgbClr val="3D96FF"/>
+                    </a:solidFill>
+                    <a:latin typeface="Arial monospaced for SAP" panose="020B0609020202030204" pitchFamily="49" charset="0"/>
+                  </a:rPr>
+                  <a:t>1</a:t>
+                </a:r>
+                <a:endParaRPr lang="de-DE" sz="743" b="1" dirty="0">
                   <a:solidFill>
                     <a:srgbClr val="3D96FF"/>
                   </a:solidFill>
                   <a:latin typeface="Arial monospaced for SAP" panose="020B0609020202030204" pitchFamily="49" charset="0"/>
-                </a:rPr>
-                <a:t>1</a:t>
-              </a:r>
-              <a:endParaRPr lang="de-DE" sz="743" b="1" dirty="0">
+                </a:endParaRPr>
+              </a:p>
+            </p:txBody>
+          </p:sp>
+          <p:sp>
+            <p:nvSpPr>
+              <p:cNvPr id="7" name="Oval 6"/>
+              <p:cNvSpPr/>
+              <p:nvPr/>
+            </p:nvSpPr>
+            <p:spPr>
+              <a:xfrm>
+                <a:off x="1814651" y="3273583"/>
+                <a:ext cx="281939" cy="273063"/>
+              </a:xfrm>
+              <a:prstGeom prst="ellipse">
+                <a:avLst/>
+              </a:prstGeom>
+              <a:noFill/>
+              <a:ln w="38100">
                 <a:solidFill>
                   <a:srgbClr val="3D96FF"/>
                 </a:solidFill>
-                <a:latin typeface="Arial monospaced for SAP" panose="020B0609020202030204" pitchFamily="49" charset="0"/>
-              </a:endParaRPr>
-            </a:p>
-          </p:txBody>
-        </p:sp>
-        <p:sp>
-          <p:nvSpPr>
-            <p:cNvPr id="7" name="Oval 6"/>
-            <p:cNvSpPr/>
-            <p:nvPr/>
-          </p:nvSpPr>
-          <p:spPr>
-            <a:xfrm>
-              <a:off x="2087880" y="3552457"/>
-              <a:ext cx="281940" cy="273062"/>
-            </a:xfrm>
-            <a:prstGeom prst="ellipse">
-              <a:avLst/>
-            </a:prstGeom>
-            <a:noFill/>
-            <a:ln w="38100">
-              <a:solidFill>
-                <a:srgbClr val="3D96FF"/>
-              </a:solidFill>
-            </a:ln>
-          </p:spPr>
-          <p:style>
-            <a:lnRef idx="2">
-              <a:schemeClr val="accent1">
-                <a:shade val="50000"/>
-              </a:schemeClr>
-            </a:lnRef>
-            <a:fillRef idx="1">
-              <a:schemeClr val="accent1"/>
-            </a:fillRef>
-            <a:effectRef idx="0">
-              <a:schemeClr val="accent1"/>
-            </a:effectRef>
-            <a:fontRef idx="minor">
-              <a:schemeClr val="lt1"/>
-            </a:fontRef>
-          </p:style>
-          <p:txBody>
-            <a:bodyPr rtlCol="0" anchor="ctr"/>
-            <a:lstStyle/>
-            <a:p>
-              <a:pPr algn="ctr"/>
-              <a:r>
-                <a:rPr lang="de-DE" sz="1080" b="1" dirty="0">
+              </a:ln>
+            </p:spPr>
+            <p:style>
+              <a:lnRef idx="2">
+                <a:schemeClr val="accent1">
+                  <a:shade val="50000"/>
+                </a:schemeClr>
+              </a:lnRef>
+              <a:fillRef idx="1">
+                <a:schemeClr val="accent1"/>
+              </a:fillRef>
+              <a:effectRef idx="0">
+                <a:schemeClr val="accent1"/>
+              </a:effectRef>
+              <a:fontRef idx="minor">
+                <a:schemeClr val="lt1"/>
+              </a:fontRef>
+            </p:style>
+            <p:txBody>
+              <a:bodyPr rtlCol="0" anchor="ctr"/>
+              <a:lstStyle/>
+              <a:p>
+                <a:pPr algn="ctr"/>
+                <a:r>
+                  <a:rPr lang="de-DE" sz="1080" b="1" dirty="0">
+                    <a:solidFill>
+                      <a:srgbClr val="3D96FF"/>
+                    </a:solidFill>
+                    <a:latin typeface="Arial monospaced for SAP" panose="020B0609020202030204" pitchFamily="49" charset="0"/>
+                  </a:rPr>
+                  <a:t>2</a:t>
+                </a:r>
+                <a:endParaRPr lang="de-DE" sz="743" b="1" dirty="0">
                   <a:solidFill>
                     <a:srgbClr val="3D96FF"/>
                   </a:solidFill>
                   <a:latin typeface="Arial monospaced for SAP" panose="020B0609020202030204" pitchFamily="49" charset="0"/>
-                </a:rPr>
-                <a:t>2</a:t>
-              </a:r>
-              <a:endParaRPr lang="de-DE" sz="743" b="1" dirty="0">
+                </a:endParaRPr>
+              </a:p>
+            </p:txBody>
+          </p:sp>
+          <p:sp>
+            <p:nvSpPr>
+              <p:cNvPr id="8" name="Oval 7"/>
+              <p:cNvSpPr/>
+              <p:nvPr/>
+            </p:nvSpPr>
+            <p:spPr>
+              <a:xfrm>
+                <a:off x="1809022" y="5619376"/>
+                <a:ext cx="281939" cy="273063"/>
+              </a:xfrm>
+              <a:prstGeom prst="ellipse">
+                <a:avLst/>
+              </a:prstGeom>
+              <a:noFill/>
+              <a:ln w="38100">
                 <a:solidFill>
                   <a:srgbClr val="3D96FF"/>
                 </a:solidFill>
-                <a:latin typeface="Arial monospaced for SAP" panose="020B0609020202030204" pitchFamily="49" charset="0"/>
-              </a:endParaRPr>
-            </a:p>
-          </p:txBody>
-        </p:sp>
-        <p:sp>
-          <p:nvSpPr>
-            <p:cNvPr id="8" name="Oval 7"/>
-            <p:cNvSpPr/>
-            <p:nvPr/>
-          </p:nvSpPr>
-          <p:spPr>
-            <a:xfrm>
-              <a:off x="2087880" y="4617551"/>
-              <a:ext cx="281940" cy="273062"/>
-            </a:xfrm>
-            <a:prstGeom prst="ellipse">
-              <a:avLst/>
-            </a:prstGeom>
-            <a:noFill/>
-            <a:ln w="38100">
-              <a:solidFill>
-                <a:srgbClr val="3D96FF"/>
-              </a:solidFill>
-            </a:ln>
-          </p:spPr>
-          <p:style>
-            <a:lnRef idx="2">
-              <a:schemeClr val="accent1">
-                <a:shade val="50000"/>
-              </a:schemeClr>
-            </a:lnRef>
-            <a:fillRef idx="1">
-              <a:schemeClr val="accent1"/>
-            </a:fillRef>
-            <a:effectRef idx="0">
-              <a:schemeClr val="accent1"/>
-            </a:effectRef>
-            <a:fontRef idx="minor">
-              <a:schemeClr val="lt1"/>
-            </a:fontRef>
-          </p:style>
-          <p:txBody>
-            <a:bodyPr rtlCol="0" anchor="ctr"/>
-            <a:lstStyle/>
-            <a:p>
-              <a:pPr algn="ctr"/>
-              <a:r>
-                <a:rPr lang="de-DE" sz="1080" b="1" dirty="0">
+              </a:ln>
+            </p:spPr>
+            <p:style>
+              <a:lnRef idx="2">
+                <a:schemeClr val="accent1">
+                  <a:shade val="50000"/>
+                </a:schemeClr>
+              </a:lnRef>
+              <a:fillRef idx="1">
+                <a:schemeClr val="accent1"/>
+              </a:fillRef>
+              <a:effectRef idx="0">
+                <a:schemeClr val="accent1"/>
+              </a:effectRef>
+              <a:fontRef idx="minor">
+                <a:schemeClr val="lt1"/>
+              </a:fontRef>
+            </p:style>
+            <p:txBody>
+              <a:bodyPr rtlCol="0" anchor="ctr"/>
+              <a:lstStyle/>
+              <a:p>
+                <a:pPr algn="ctr"/>
+                <a:r>
+                  <a:rPr lang="de-DE" sz="1080" b="1" dirty="0">
+                    <a:solidFill>
+                      <a:srgbClr val="3D96FF"/>
+                    </a:solidFill>
+                    <a:latin typeface="Arial monospaced for SAP" panose="020B0609020202030204" pitchFamily="49" charset="0"/>
+                  </a:rPr>
+                  <a:t>3</a:t>
+                </a:r>
+                <a:endParaRPr lang="de-DE" sz="743" b="1" dirty="0">
                   <a:solidFill>
                     <a:srgbClr val="3D96FF"/>
                   </a:solidFill>
                   <a:latin typeface="Arial monospaced for SAP" panose="020B0609020202030204" pitchFamily="49" charset="0"/>
-                </a:rPr>
-                <a:t>3</a:t>
-              </a:r>
-              <a:endParaRPr lang="de-DE" sz="743" b="1" dirty="0">
+                </a:endParaRPr>
+              </a:p>
+            </p:txBody>
+          </p:sp>
+          <p:sp>
+            <p:nvSpPr>
+              <p:cNvPr id="9" name="Oval 8"/>
+              <p:cNvSpPr/>
+              <p:nvPr/>
+            </p:nvSpPr>
+            <p:spPr>
+              <a:xfrm>
+                <a:off x="1814651" y="7244659"/>
+                <a:ext cx="281939" cy="273063"/>
+              </a:xfrm>
+              <a:prstGeom prst="ellipse">
+                <a:avLst/>
+              </a:prstGeom>
+              <a:noFill/>
+              <a:ln w="38100">
                 <a:solidFill>
                   <a:srgbClr val="3D96FF"/>
                 </a:solidFill>
-                <a:latin typeface="Arial monospaced for SAP" panose="020B0609020202030204" pitchFamily="49" charset="0"/>
-              </a:endParaRPr>
-            </a:p>
-          </p:txBody>
-        </p:sp>
-        <p:sp>
-          <p:nvSpPr>
-            <p:cNvPr id="9" name="Oval 8"/>
-            <p:cNvSpPr/>
-            <p:nvPr/>
-          </p:nvSpPr>
-          <p:spPr>
-            <a:xfrm>
-              <a:off x="2087880" y="5406536"/>
-              <a:ext cx="281940" cy="273062"/>
-            </a:xfrm>
-            <a:prstGeom prst="ellipse">
-              <a:avLst/>
-            </a:prstGeom>
-            <a:noFill/>
-            <a:ln w="38100">
-              <a:solidFill>
-                <a:srgbClr val="3D96FF"/>
-              </a:solidFill>
-            </a:ln>
-          </p:spPr>
-          <p:style>
-            <a:lnRef idx="2">
-              <a:schemeClr val="accent1">
-                <a:shade val="50000"/>
-              </a:schemeClr>
-            </a:lnRef>
-            <a:fillRef idx="1">
-              <a:schemeClr val="accent1"/>
-            </a:fillRef>
-            <a:effectRef idx="0">
-              <a:schemeClr val="accent1"/>
-            </a:effectRef>
-            <a:fontRef idx="minor">
-              <a:schemeClr val="lt1"/>
-            </a:fontRef>
-          </p:style>
-          <p:txBody>
-            <a:bodyPr rtlCol="0" anchor="ctr"/>
-            <a:lstStyle/>
-            <a:p>
-              <a:pPr algn="ctr"/>
-              <a:r>
-                <a:rPr lang="de-DE" sz="1080" b="1" dirty="0">
+              </a:ln>
+            </p:spPr>
+            <p:style>
+              <a:lnRef idx="2">
+                <a:schemeClr val="accent1">
+                  <a:shade val="50000"/>
+                </a:schemeClr>
+              </a:lnRef>
+              <a:fillRef idx="1">
+                <a:schemeClr val="accent1"/>
+              </a:fillRef>
+              <a:effectRef idx="0">
+                <a:schemeClr val="accent1"/>
+              </a:effectRef>
+              <a:fontRef idx="minor">
+                <a:schemeClr val="lt1"/>
+              </a:fontRef>
+            </p:style>
+            <p:txBody>
+              <a:bodyPr rtlCol="0" anchor="ctr"/>
+              <a:lstStyle/>
+              <a:p>
+                <a:pPr algn="ctr"/>
+                <a:r>
+                  <a:rPr lang="de-DE" sz="1080" b="1" dirty="0">
+                    <a:solidFill>
+                      <a:srgbClr val="3D96FF"/>
+                    </a:solidFill>
+                    <a:latin typeface="Arial monospaced for SAP" panose="020B0609020202030204" pitchFamily="49" charset="0"/>
+                  </a:rPr>
+                  <a:t>4</a:t>
+                </a:r>
+                <a:endParaRPr lang="de-DE" sz="743" b="1" dirty="0">
                   <a:solidFill>
                     <a:srgbClr val="3D96FF"/>
                   </a:solidFill>
                   <a:latin typeface="Arial monospaced for SAP" panose="020B0609020202030204" pitchFamily="49" charset="0"/>
-                </a:rPr>
-                <a:t>4</a:t>
-              </a:r>
-              <a:endParaRPr lang="de-DE" sz="743" b="1" dirty="0">
+                </a:endParaRPr>
+              </a:p>
+            </p:txBody>
+          </p:sp>
+          <p:sp>
+            <p:nvSpPr>
+              <p:cNvPr id="10" name="Oval 9"/>
+              <p:cNvSpPr/>
+              <p:nvPr/>
+            </p:nvSpPr>
+            <p:spPr>
+              <a:xfrm>
+                <a:off x="4293871" y="-226345"/>
+                <a:ext cx="281939" cy="273063"/>
+              </a:xfrm>
+              <a:prstGeom prst="ellipse">
+                <a:avLst/>
+              </a:prstGeom>
+              <a:noFill/>
+              <a:ln w="38100">
                 <a:solidFill>
                   <a:srgbClr val="3D96FF"/>
                 </a:solidFill>
-                <a:latin typeface="Arial monospaced for SAP" panose="020B0609020202030204" pitchFamily="49" charset="0"/>
-              </a:endParaRPr>
-            </a:p>
-          </p:txBody>
-        </p:sp>
-        <p:sp>
-          <p:nvSpPr>
-            <p:cNvPr id="10" name="Oval 9"/>
-            <p:cNvSpPr/>
-            <p:nvPr/>
-          </p:nvSpPr>
-          <p:spPr>
-            <a:xfrm>
-              <a:off x="4434840" y="625301"/>
-              <a:ext cx="281940" cy="273062"/>
-            </a:xfrm>
-            <a:prstGeom prst="ellipse">
-              <a:avLst/>
-            </a:prstGeom>
-            <a:noFill/>
-            <a:ln w="38100">
-              <a:solidFill>
-                <a:srgbClr val="3D96FF"/>
-              </a:solidFill>
-            </a:ln>
-          </p:spPr>
-          <p:style>
-            <a:lnRef idx="2">
-              <a:schemeClr val="accent1">
-                <a:shade val="50000"/>
-              </a:schemeClr>
-            </a:lnRef>
-            <a:fillRef idx="1">
-              <a:schemeClr val="accent1"/>
-            </a:fillRef>
-            <a:effectRef idx="0">
-              <a:schemeClr val="accent1"/>
-            </a:effectRef>
-            <a:fontRef idx="minor">
-              <a:schemeClr val="lt1"/>
-            </a:fontRef>
-          </p:style>
-          <p:txBody>
-            <a:bodyPr rtlCol="0" anchor="ctr"/>
-            <a:lstStyle/>
-            <a:p>
-              <a:pPr algn="ctr"/>
-              <a:r>
-                <a:rPr lang="de-DE" sz="1080" b="1" dirty="0">
+              </a:ln>
+            </p:spPr>
+            <p:style>
+              <a:lnRef idx="2">
+                <a:schemeClr val="accent1">
+                  <a:shade val="50000"/>
+                </a:schemeClr>
+              </a:lnRef>
+              <a:fillRef idx="1">
+                <a:schemeClr val="accent1"/>
+              </a:fillRef>
+              <a:effectRef idx="0">
+                <a:schemeClr val="accent1"/>
+              </a:effectRef>
+              <a:fontRef idx="minor">
+                <a:schemeClr val="lt1"/>
+              </a:fontRef>
+            </p:style>
+            <p:txBody>
+              <a:bodyPr rtlCol="0" anchor="ctr"/>
+              <a:lstStyle/>
+              <a:p>
+                <a:pPr algn="ctr"/>
+                <a:r>
+                  <a:rPr lang="de-DE" sz="1080" b="1" dirty="0">
+                    <a:solidFill>
+                      <a:srgbClr val="3D96FF"/>
+                    </a:solidFill>
+                    <a:latin typeface="Arial monospaced for SAP" panose="020B0609020202030204" pitchFamily="49" charset="0"/>
+                  </a:rPr>
+                  <a:t>5</a:t>
+                </a:r>
+                <a:endParaRPr lang="de-DE" sz="743" b="1" dirty="0">
                   <a:solidFill>
                     <a:srgbClr val="3D96FF"/>
                   </a:solidFill>
                   <a:latin typeface="Arial monospaced for SAP" panose="020B0609020202030204" pitchFamily="49" charset="0"/>
-                </a:rPr>
-                <a:t>5</a:t>
-              </a:r>
-              <a:endParaRPr lang="de-DE" sz="743" b="1" dirty="0">
+                </a:endParaRPr>
+              </a:p>
+            </p:txBody>
+          </p:sp>
+          <p:sp>
+            <p:nvSpPr>
+              <p:cNvPr id="11" name="Oval 10"/>
+              <p:cNvSpPr/>
+              <p:nvPr/>
+            </p:nvSpPr>
+            <p:spPr>
+              <a:xfrm>
+                <a:off x="4293871" y="419857"/>
+                <a:ext cx="281939" cy="273063"/>
+              </a:xfrm>
+              <a:prstGeom prst="ellipse">
+                <a:avLst/>
+              </a:prstGeom>
+              <a:noFill/>
+              <a:ln w="38100">
                 <a:solidFill>
                   <a:srgbClr val="3D96FF"/>
                 </a:solidFill>
-                <a:latin typeface="Arial monospaced for SAP" panose="020B0609020202030204" pitchFamily="49" charset="0"/>
-              </a:endParaRPr>
-            </a:p>
-          </p:txBody>
-        </p:sp>
-        <p:sp>
-          <p:nvSpPr>
-            <p:cNvPr id="11" name="Oval 10"/>
-            <p:cNvSpPr/>
-            <p:nvPr/>
-          </p:nvSpPr>
-          <p:spPr>
-            <a:xfrm>
-              <a:off x="4434840" y="1139698"/>
-              <a:ext cx="281940" cy="273062"/>
-            </a:xfrm>
-            <a:prstGeom prst="ellipse">
-              <a:avLst/>
-            </a:prstGeom>
-            <a:noFill/>
-            <a:ln w="38100">
-              <a:solidFill>
-                <a:srgbClr val="3D96FF"/>
-              </a:solidFill>
-            </a:ln>
-          </p:spPr>
-          <p:style>
-            <a:lnRef idx="2">
-              <a:schemeClr val="accent1">
-                <a:shade val="50000"/>
-              </a:schemeClr>
-            </a:lnRef>
-            <a:fillRef idx="1">
-              <a:schemeClr val="accent1"/>
-            </a:fillRef>
-            <a:effectRef idx="0">
-              <a:schemeClr val="accent1"/>
-            </a:effectRef>
-            <a:fontRef idx="minor">
-              <a:schemeClr val="lt1"/>
-            </a:fontRef>
-          </p:style>
-          <p:txBody>
-            <a:bodyPr rtlCol="0" anchor="ctr"/>
-            <a:lstStyle/>
-            <a:p>
-              <a:pPr algn="ctr"/>
-              <a:r>
-                <a:rPr lang="de-DE" sz="1080" b="1" dirty="0">
+              </a:ln>
+            </p:spPr>
+            <p:style>
+              <a:lnRef idx="2">
+                <a:schemeClr val="accent1">
+                  <a:shade val="50000"/>
+                </a:schemeClr>
+              </a:lnRef>
+              <a:fillRef idx="1">
+                <a:schemeClr val="accent1"/>
+              </a:fillRef>
+              <a:effectRef idx="0">
+                <a:schemeClr val="accent1"/>
+              </a:effectRef>
+              <a:fontRef idx="minor">
+                <a:schemeClr val="lt1"/>
+              </a:fontRef>
+            </p:style>
+            <p:txBody>
+              <a:bodyPr rtlCol="0" anchor="ctr"/>
+              <a:lstStyle/>
+              <a:p>
+                <a:pPr algn="ctr"/>
+                <a:r>
+                  <a:rPr lang="de-DE" sz="1080" b="1" dirty="0">
+                    <a:solidFill>
+                      <a:srgbClr val="3D96FF"/>
+                    </a:solidFill>
+                    <a:latin typeface="Arial monospaced for SAP" panose="020B0609020202030204" pitchFamily="49" charset="0"/>
+                  </a:rPr>
+                  <a:t>6</a:t>
+                </a:r>
+                <a:endParaRPr lang="de-DE" sz="743" b="1" dirty="0">
                   <a:solidFill>
                     <a:srgbClr val="3D96FF"/>
                   </a:solidFill>
                   <a:latin typeface="Arial monospaced for SAP" panose="020B0609020202030204" pitchFamily="49" charset="0"/>
-                </a:rPr>
-                <a:t>6</a:t>
-              </a:r>
-              <a:endParaRPr lang="de-DE" sz="743" b="1" dirty="0">
+                </a:endParaRPr>
+              </a:p>
+            </p:txBody>
+          </p:sp>
+          <p:sp>
+            <p:nvSpPr>
+              <p:cNvPr id="12" name="Oval 11"/>
+              <p:cNvSpPr/>
+              <p:nvPr/>
+            </p:nvSpPr>
+            <p:spPr>
+              <a:xfrm>
+                <a:off x="1805941" y="9036073"/>
+                <a:ext cx="281939" cy="273063"/>
+              </a:xfrm>
+              <a:prstGeom prst="ellipse">
+                <a:avLst/>
+              </a:prstGeom>
+              <a:noFill/>
+              <a:ln w="38100">
                 <a:solidFill>
                   <a:srgbClr val="3D96FF"/>
                 </a:solidFill>
-                <a:latin typeface="Arial monospaced for SAP" panose="020B0609020202030204" pitchFamily="49" charset="0"/>
-              </a:endParaRPr>
-            </a:p>
-          </p:txBody>
-        </p:sp>
-        <p:sp>
-          <p:nvSpPr>
-            <p:cNvPr id="12" name="Oval 11"/>
-            <p:cNvSpPr/>
-            <p:nvPr/>
-          </p:nvSpPr>
-          <p:spPr>
-            <a:xfrm>
-              <a:off x="2087880" y="6446820"/>
-              <a:ext cx="281940" cy="273062"/>
-            </a:xfrm>
-            <a:prstGeom prst="ellipse">
-              <a:avLst/>
-            </a:prstGeom>
-            <a:noFill/>
-            <a:ln w="38100">
-              <a:solidFill>
-                <a:srgbClr val="3D96FF"/>
-              </a:solidFill>
-            </a:ln>
-          </p:spPr>
-          <p:style>
-            <a:lnRef idx="2">
-              <a:schemeClr val="accent1">
-                <a:shade val="50000"/>
-              </a:schemeClr>
-            </a:lnRef>
-            <a:fillRef idx="1">
-              <a:schemeClr val="accent1"/>
-            </a:fillRef>
-            <a:effectRef idx="0">
-              <a:schemeClr val="accent1"/>
-            </a:effectRef>
-            <a:fontRef idx="minor">
-              <a:schemeClr val="lt1"/>
-            </a:fontRef>
-          </p:style>
-          <p:txBody>
-            <a:bodyPr rtlCol="0" anchor="ctr"/>
-            <a:lstStyle/>
-            <a:p>
-              <a:pPr algn="ctr"/>
-              <a:r>
-                <a:rPr lang="de-DE" sz="1080" b="1" dirty="0">
+              </a:ln>
+            </p:spPr>
+            <p:style>
+              <a:lnRef idx="2">
+                <a:schemeClr val="accent1">
+                  <a:shade val="50000"/>
+                </a:schemeClr>
+              </a:lnRef>
+              <a:fillRef idx="1">
+                <a:schemeClr val="accent1"/>
+              </a:fillRef>
+              <a:effectRef idx="0">
+                <a:schemeClr val="accent1"/>
+              </a:effectRef>
+              <a:fontRef idx="minor">
+                <a:schemeClr val="lt1"/>
+              </a:fontRef>
+            </p:style>
+            <p:txBody>
+              <a:bodyPr rtlCol="0" anchor="ctr"/>
+              <a:lstStyle/>
+              <a:p>
+                <a:pPr algn="ctr"/>
+                <a:r>
+                  <a:rPr lang="de-DE" sz="1080" b="1" dirty="0">
+                    <a:solidFill>
+                      <a:srgbClr val="3D96FF"/>
+                    </a:solidFill>
+                    <a:latin typeface="Arial monospaced for SAP" panose="020B0609020202030204" pitchFamily="49" charset="0"/>
+                  </a:rPr>
+                  <a:t>7</a:t>
+                </a:r>
+                <a:endParaRPr lang="de-DE" sz="743" b="1" dirty="0">
                   <a:solidFill>
                     <a:srgbClr val="3D96FF"/>
                   </a:solidFill>
                   <a:latin typeface="Arial monospaced for SAP" panose="020B0609020202030204" pitchFamily="49" charset="0"/>
-                </a:rPr>
-                <a:t>7</a:t>
-              </a:r>
-              <a:endParaRPr lang="de-DE" sz="743" b="1" dirty="0">
-                <a:solidFill>
-                  <a:srgbClr val="3D96FF"/>
-                </a:solidFill>
-                <a:latin typeface="Arial monospaced for SAP" panose="020B0609020202030204" pitchFamily="49" charset="0"/>
-              </a:endParaRPr>
-            </a:p>
-          </p:txBody>
-        </p:sp>
+                </a:endParaRPr>
+              </a:p>
+            </p:txBody>
+          </p:sp>
+        </p:grpSp>
       </p:grpSp>
     </p:spTree>
     <p:extLst>
@@ -4860,8 +4718,8 @@
         </p:nvSpPr>
         <p:spPr>
           <a:xfrm>
-            <a:off x="66674" y="57149"/>
-            <a:ext cx="6707955" cy="8039101"/>
+            <a:off x="66674" y="184727"/>
+            <a:ext cx="6707955" cy="7911523"/>
           </a:xfrm>
           <a:prstGeom prst="roundRect">
             <a:avLst>
@@ -4935,480 +4793,423 @@
       </p:grpSpPr>
       <p:grpSp>
         <p:nvGrpSpPr>
-          <p:cNvPr id="12" name="Group 11"/>
+          <p:cNvPr id="16" name="Group 15"/>
           <p:cNvGrpSpPr/>
           <p:nvPr/>
         </p:nvGrpSpPr>
         <p:grpSpPr>
           <a:xfrm>
-            <a:off x="1130418" y="895351"/>
-            <a:ext cx="4581407" cy="4934426"/>
-            <a:chOff x="66674" y="0"/>
-            <a:chExt cx="6785961" cy="7308850"/>
+            <a:off x="0" y="263260"/>
+            <a:ext cx="6858000" cy="7704667"/>
+            <a:chOff x="0" y="263260"/>
+            <a:chExt cx="6858000" cy="7704667"/>
           </a:xfrm>
         </p:grpSpPr>
+        <p:pic>
+          <p:nvPicPr>
+            <p:cNvPr id="15" name="Picture 14"/>
+            <p:cNvPicPr>
+              <a:picLocks noChangeAspect="1"/>
+            </p:cNvPicPr>
+            <p:nvPr/>
+          </p:nvPicPr>
+          <p:blipFill>
+            <a:blip r:embed="rId2" cstate="print">
+              <a:extLst>
+                <a:ext uri="{28A0092B-C50C-407E-A947-70E740481C1C}">
+                  <a14:useLocalDpi xmlns:a14="http://schemas.microsoft.com/office/drawing/2010/main" val="0"/>
+                </a:ext>
+              </a:extLst>
+            </a:blip>
+            <a:stretch>
+              <a:fillRect/>
+            </a:stretch>
+          </p:blipFill>
+          <p:spPr>
+            <a:xfrm>
+              <a:off x="0" y="263260"/>
+              <a:ext cx="6858000" cy="7704667"/>
+            </a:xfrm>
+            <a:prstGeom prst="rect">
+              <a:avLst/>
+            </a:prstGeom>
+          </p:spPr>
+        </p:pic>
         <p:grpSp>
           <p:nvGrpSpPr>
-            <p:cNvPr id="5" name="Group 4"/>
+            <p:cNvPr id="12" name="Group 11"/>
             <p:cNvGrpSpPr/>
             <p:nvPr/>
           </p:nvGrpSpPr>
           <p:grpSpPr>
             <a:xfrm>
-              <a:off x="66674" y="0"/>
-              <a:ext cx="6785961" cy="7308850"/>
-              <a:chOff x="66674" y="0"/>
-              <a:chExt cx="6785961" cy="7308850"/>
+              <a:off x="1976476" y="744219"/>
+              <a:ext cx="2983067" cy="6355806"/>
+              <a:chOff x="1730266" y="8716"/>
+              <a:chExt cx="4418511" cy="9414186"/>
             </a:xfrm>
           </p:grpSpPr>
-          <p:pic>
-            <p:nvPicPr>
-              <p:cNvPr id="2" name="Picture 1"/>
-              <p:cNvPicPr>
-                <a:picLocks noChangeAspect="1"/>
-              </p:cNvPicPr>
+          <p:sp>
+            <p:nvSpPr>
+              <p:cNvPr id="6" name="Oval 5"/>
+              <p:cNvSpPr/>
               <p:nvPr/>
-            </p:nvPicPr>
-            <p:blipFill rotWithShape="1">
-              <a:blip r:embed="rId2" cstate="print">
-                <a:extLst>
-                  <a:ext uri="{28A0092B-C50C-407E-A947-70E740481C1C}">
-                    <a14:useLocalDpi xmlns:a14="http://schemas.microsoft.com/office/drawing/2010/main" val="0"/>
-                  </a:ext>
-                </a:extLst>
-              </a:blip>
-              <a:srcRect l="972" r="137"/>
-              <a:stretch/>
-            </p:blipFill>
+            </p:nvSpPr>
             <p:spPr>
               <a:xfrm>
-                <a:off x="66674" y="0"/>
-                <a:ext cx="6785961" cy="3930717"/>
+                <a:off x="1730266" y="2879773"/>
+                <a:ext cx="281940" cy="273061"/>
               </a:xfrm>
-              <a:prstGeom prst="rect">
+              <a:prstGeom prst="ellipse">
                 <a:avLst/>
               </a:prstGeom>
+              <a:noFill/>
+              <a:ln w="38100">
+                <a:solidFill>
+                  <a:srgbClr val="3D96FF"/>
+                </a:solidFill>
+              </a:ln>
             </p:spPr>
-          </p:pic>
-          <p:pic>
-            <p:nvPicPr>
-              <p:cNvPr id="3" name="Picture 2"/>
-              <p:cNvPicPr>
-                <a:picLocks noChangeAspect="1"/>
-              </p:cNvPicPr>
-              <p:nvPr/>
-            </p:nvPicPr>
-            <p:blipFill rotWithShape="1">
-              <a:blip r:embed="rId3" cstate="print">
-                <a:extLst>
-                  <a:ext uri="{28A0092B-C50C-407E-A947-70E740481C1C}">
-                    <a14:useLocalDpi xmlns:a14="http://schemas.microsoft.com/office/drawing/2010/main" val="0"/>
-                  </a:ext>
-                </a:extLst>
-              </a:blip>
-              <a:srcRect l="559"/>
-              <a:stretch/>
-            </p:blipFill>
-            <p:spPr>
-              <a:xfrm>
-                <a:off x="66675" y="3436747"/>
-                <a:ext cx="6781799" cy="3543240"/>
-              </a:xfrm>
-              <a:prstGeom prst="rect">
-                <a:avLst/>
-              </a:prstGeom>
-            </p:spPr>
-          </p:pic>
-          <p:pic>
-            <p:nvPicPr>
-              <p:cNvPr id="4" name="Picture 3"/>
-              <p:cNvPicPr>
-                <a:picLocks noChangeAspect="1"/>
-              </p:cNvPicPr>
-              <p:nvPr/>
-            </p:nvPicPr>
-            <p:blipFill rotWithShape="1">
-              <a:blip r:embed="rId4" cstate="print">
-                <a:extLst>
-                  <a:ext uri="{28A0092B-C50C-407E-A947-70E740481C1C}">
-                    <a14:useLocalDpi xmlns:a14="http://schemas.microsoft.com/office/drawing/2010/main" val="0"/>
-                  </a:ext>
-                </a:extLst>
-              </a:blip>
-              <a:srcRect l="788" r="309" b="8621"/>
-              <a:stretch/>
-            </p:blipFill>
-            <p:spPr>
-              <a:xfrm>
-                <a:off x="69850" y="6116904"/>
-                <a:ext cx="6782785" cy="1191946"/>
-              </a:xfrm>
-              <a:prstGeom prst="rect">
-                <a:avLst/>
-              </a:prstGeom>
-            </p:spPr>
-          </p:pic>
-        </p:grpSp>
-        <p:sp>
-          <p:nvSpPr>
-            <p:cNvPr id="6" name="Oval 5"/>
-            <p:cNvSpPr/>
-            <p:nvPr/>
-          </p:nvSpPr>
-          <p:spPr>
-            <a:xfrm>
-              <a:off x="1889760" y="2995438"/>
-              <a:ext cx="281940" cy="273062"/>
-            </a:xfrm>
-            <a:prstGeom prst="ellipse">
-              <a:avLst/>
-            </a:prstGeom>
-            <a:noFill/>
-            <a:ln w="38100">
-              <a:solidFill>
-                <a:srgbClr val="3D96FF"/>
-              </a:solidFill>
-            </a:ln>
-          </p:spPr>
-          <p:style>
-            <a:lnRef idx="2">
-              <a:schemeClr val="accent1">
-                <a:shade val="50000"/>
-              </a:schemeClr>
-            </a:lnRef>
-            <a:fillRef idx="1">
-              <a:schemeClr val="accent1"/>
-            </a:fillRef>
-            <a:effectRef idx="0">
-              <a:schemeClr val="accent1"/>
-            </a:effectRef>
-            <a:fontRef idx="minor">
-              <a:schemeClr val="lt1"/>
-            </a:fontRef>
-          </p:style>
-          <p:txBody>
-            <a:bodyPr rtlCol="0" anchor="ctr"/>
-            <a:lstStyle/>
-            <a:p>
-              <a:pPr algn="ctr"/>
-              <a:r>
-                <a:rPr lang="de-DE" sz="1080" b="1" dirty="0">
+            <p:style>
+              <a:lnRef idx="2">
+                <a:schemeClr val="accent1">
+                  <a:shade val="50000"/>
+                </a:schemeClr>
+              </a:lnRef>
+              <a:fillRef idx="1">
+                <a:schemeClr val="accent1"/>
+              </a:fillRef>
+              <a:effectRef idx="0">
+                <a:schemeClr val="accent1"/>
+              </a:effectRef>
+              <a:fontRef idx="minor">
+                <a:schemeClr val="lt1"/>
+              </a:fontRef>
+            </p:style>
+            <p:txBody>
+              <a:bodyPr rtlCol="0" anchor="ctr"/>
+              <a:lstStyle/>
+              <a:p>
+                <a:pPr algn="ctr"/>
+                <a:r>
+                  <a:rPr lang="de-DE" sz="1080" b="1" dirty="0">
+                    <a:solidFill>
+                      <a:srgbClr val="3D96FF"/>
+                    </a:solidFill>
+                    <a:latin typeface="Arial monospaced for SAP" panose="020B0609020202030204" pitchFamily="49" charset="0"/>
+                  </a:rPr>
+                  <a:t>1</a:t>
+                </a:r>
+                <a:endParaRPr lang="de-DE" sz="743" b="1" dirty="0">
                   <a:solidFill>
                     <a:srgbClr val="3D96FF"/>
                   </a:solidFill>
                   <a:latin typeface="Arial monospaced for SAP" panose="020B0609020202030204" pitchFamily="49" charset="0"/>
-                </a:rPr>
-                <a:t>1</a:t>
-              </a:r>
-              <a:endParaRPr lang="de-DE" sz="743" b="1" dirty="0">
+                </a:endParaRPr>
+              </a:p>
+            </p:txBody>
+          </p:sp>
+          <p:sp>
+            <p:nvSpPr>
+              <p:cNvPr id="7" name="Oval 6"/>
+              <p:cNvSpPr/>
+              <p:nvPr/>
+            </p:nvSpPr>
+            <p:spPr>
+              <a:xfrm>
+                <a:off x="1730266" y="4030699"/>
+                <a:ext cx="281940" cy="273061"/>
+              </a:xfrm>
+              <a:prstGeom prst="ellipse">
+                <a:avLst/>
+              </a:prstGeom>
+              <a:noFill/>
+              <a:ln w="38100">
                 <a:solidFill>
                   <a:srgbClr val="3D96FF"/>
                 </a:solidFill>
-                <a:latin typeface="Arial monospaced for SAP" panose="020B0609020202030204" pitchFamily="49" charset="0"/>
-              </a:endParaRPr>
-            </a:p>
-          </p:txBody>
-        </p:sp>
-        <p:sp>
-          <p:nvSpPr>
-            <p:cNvPr id="7" name="Oval 6"/>
-            <p:cNvSpPr/>
-            <p:nvPr/>
-          </p:nvSpPr>
-          <p:spPr>
-            <a:xfrm>
-              <a:off x="1889760" y="4098964"/>
-              <a:ext cx="281940" cy="273062"/>
-            </a:xfrm>
-            <a:prstGeom prst="ellipse">
-              <a:avLst/>
-            </a:prstGeom>
-            <a:noFill/>
-            <a:ln w="38100">
-              <a:solidFill>
-                <a:srgbClr val="3D96FF"/>
-              </a:solidFill>
-            </a:ln>
-          </p:spPr>
-          <p:style>
-            <a:lnRef idx="2">
-              <a:schemeClr val="accent1">
-                <a:shade val="50000"/>
-              </a:schemeClr>
-            </a:lnRef>
-            <a:fillRef idx="1">
-              <a:schemeClr val="accent1"/>
-            </a:fillRef>
-            <a:effectRef idx="0">
-              <a:schemeClr val="accent1"/>
-            </a:effectRef>
-            <a:fontRef idx="minor">
-              <a:schemeClr val="lt1"/>
-            </a:fontRef>
-          </p:style>
-          <p:txBody>
-            <a:bodyPr rtlCol="0" anchor="ctr"/>
-            <a:lstStyle/>
-            <a:p>
-              <a:pPr algn="ctr"/>
-              <a:r>
-                <a:rPr lang="de-DE" sz="1080" b="1" dirty="0">
+              </a:ln>
+            </p:spPr>
+            <p:style>
+              <a:lnRef idx="2">
+                <a:schemeClr val="accent1">
+                  <a:shade val="50000"/>
+                </a:schemeClr>
+              </a:lnRef>
+              <a:fillRef idx="1">
+                <a:schemeClr val="accent1"/>
+              </a:fillRef>
+              <a:effectRef idx="0">
+                <a:schemeClr val="accent1"/>
+              </a:effectRef>
+              <a:fontRef idx="minor">
+                <a:schemeClr val="lt1"/>
+              </a:fontRef>
+            </p:style>
+            <p:txBody>
+              <a:bodyPr rtlCol="0" anchor="ctr"/>
+              <a:lstStyle/>
+              <a:p>
+                <a:pPr algn="ctr"/>
+                <a:r>
+                  <a:rPr lang="de-DE" sz="1080" b="1" dirty="0">
+                    <a:solidFill>
+                      <a:srgbClr val="3D96FF"/>
+                    </a:solidFill>
+                    <a:latin typeface="Arial monospaced for SAP" panose="020B0609020202030204" pitchFamily="49" charset="0"/>
+                  </a:rPr>
+                  <a:t>2</a:t>
+                </a:r>
+                <a:endParaRPr lang="de-DE" sz="743" b="1" dirty="0">
                   <a:solidFill>
                     <a:srgbClr val="3D96FF"/>
                   </a:solidFill>
                   <a:latin typeface="Arial monospaced for SAP" panose="020B0609020202030204" pitchFamily="49" charset="0"/>
-                </a:rPr>
-                <a:t>2</a:t>
-              </a:r>
-              <a:endParaRPr lang="de-DE" sz="743" b="1" dirty="0">
+                </a:endParaRPr>
+              </a:p>
+            </p:txBody>
+          </p:sp>
+          <p:sp>
+            <p:nvSpPr>
+              <p:cNvPr id="8" name="Oval 7"/>
+              <p:cNvSpPr/>
+              <p:nvPr/>
+            </p:nvSpPr>
+            <p:spPr>
+              <a:xfrm>
+                <a:off x="1730266" y="6756251"/>
+                <a:ext cx="281940" cy="273061"/>
+              </a:xfrm>
+              <a:prstGeom prst="ellipse">
+                <a:avLst/>
+              </a:prstGeom>
+              <a:noFill/>
+              <a:ln w="38100">
                 <a:solidFill>
                   <a:srgbClr val="3D96FF"/>
                 </a:solidFill>
-                <a:latin typeface="Arial monospaced for SAP" panose="020B0609020202030204" pitchFamily="49" charset="0"/>
-              </a:endParaRPr>
-            </a:p>
-          </p:txBody>
-        </p:sp>
-        <p:sp>
-          <p:nvSpPr>
-            <p:cNvPr id="8" name="Oval 7"/>
-            <p:cNvSpPr/>
-            <p:nvPr/>
-          </p:nvSpPr>
-          <p:spPr>
-            <a:xfrm>
-              <a:off x="1889760" y="5454686"/>
-              <a:ext cx="281940" cy="273062"/>
-            </a:xfrm>
-            <a:prstGeom prst="ellipse">
-              <a:avLst/>
-            </a:prstGeom>
-            <a:noFill/>
-            <a:ln w="38100">
-              <a:solidFill>
-                <a:srgbClr val="3D96FF"/>
-              </a:solidFill>
-            </a:ln>
-          </p:spPr>
-          <p:style>
-            <a:lnRef idx="2">
-              <a:schemeClr val="accent1">
-                <a:shade val="50000"/>
-              </a:schemeClr>
-            </a:lnRef>
-            <a:fillRef idx="1">
-              <a:schemeClr val="accent1"/>
-            </a:fillRef>
-            <a:effectRef idx="0">
-              <a:schemeClr val="accent1"/>
-            </a:effectRef>
-            <a:fontRef idx="minor">
-              <a:schemeClr val="lt1"/>
-            </a:fontRef>
-          </p:style>
-          <p:txBody>
-            <a:bodyPr rtlCol="0" anchor="ctr"/>
-            <a:lstStyle/>
-            <a:p>
-              <a:pPr algn="ctr"/>
-              <a:r>
-                <a:rPr lang="de-DE" sz="1080" b="1" dirty="0">
+              </a:ln>
+            </p:spPr>
+            <p:style>
+              <a:lnRef idx="2">
+                <a:schemeClr val="accent1">
+                  <a:shade val="50000"/>
+                </a:schemeClr>
+              </a:lnRef>
+              <a:fillRef idx="1">
+                <a:schemeClr val="accent1"/>
+              </a:fillRef>
+              <a:effectRef idx="0">
+                <a:schemeClr val="accent1"/>
+              </a:effectRef>
+              <a:fontRef idx="minor">
+                <a:schemeClr val="lt1"/>
+              </a:fontRef>
+            </p:style>
+            <p:txBody>
+              <a:bodyPr rtlCol="0" anchor="ctr"/>
+              <a:lstStyle/>
+              <a:p>
+                <a:pPr algn="ctr"/>
+                <a:r>
+                  <a:rPr lang="de-DE" sz="1080" b="1" dirty="0">
+                    <a:solidFill>
+                      <a:srgbClr val="3D96FF"/>
+                    </a:solidFill>
+                    <a:latin typeface="Arial monospaced for SAP" panose="020B0609020202030204" pitchFamily="49" charset="0"/>
+                  </a:rPr>
+                  <a:t>3</a:t>
+                </a:r>
+                <a:endParaRPr lang="de-DE" sz="743" b="1" dirty="0">
                   <a:solidFill>
                     <a:srgbClr val="3D96FF"/>
                   </a:solidFill>
                   <a:latin typeface="Arial monospaced for SAP" panose="020B0609020202030204" pitchFamily="49" charset="0"/>
-                </a:rPr>
-                <a:t>3</a:t>
-              </a:r>
-              <a:endParaRPr lang="de-DE" sz="743" b="1" dirty="0">
+                </a:endParaRPr>
+              </a:p>
+            </p:txBody>
+          </p:sp>
+          <p:sp>
+            <p:nvSpPr>
+              <p:cNvPr id="9" name="Oval 8"/>
+              <p:cNvSpPr/>
+              <p:nvPr/>
+            </p:nvSpPr>
+            <p:spPr>
+              <a:xfrm>
+                <a:off x="5866837" y="8716"/>
+                <a:ext cx="281940" cy="273063"/>
+              </a:xfrm>
+              <a:prstGeom prst="ellipse">
+                <a:avLst/>
+              </a:prstGeom>
+              <a:noFill/>
+              <a:ln w="38100">
                 <a:solidFill>
                   <a:srgbClr val="3D96FF"/>
                 </a:solidFill>
-                <a:latin typeface="Arial monospaced for SAP" panose="020B0609020202030204" pitchFamily="49" charset="0"/>
-              </a:endParaRPr>
-            </a:p>
-          </p:txBody>
-        </p:sp>
-        <p:sp>
-          <p:nvSpPr>
-            <p:cNvPr id="9" name="Oval 8"/>
-            <p:cNvSpPr/>
-            <p:nvPr/>
-          </p:nvSpPr>
-          <p:spPr>
-            <a:xfrm>
-              <a:off x="4457700" y="569628"/>
-              <a:ext cx="281940" cy="273062"/>
-            </a:xfrm>
-            <a:prstGeom prst="ellipse">
-              <a:avLst/>
-            </a:prstGeom>
-            <a:noFill/>
-            <a:ln w="38100">
-              <a:solidFill>
-                <a:srgbClr val="3D96FF"/>
-              </a:solidFill>
-            </a:ln>
-          </p:spPr>
-          <p:style>
-            <a:lnRef idx="2">
-              <a:schemeClr val="accent1">
-                <a:shade val="50000"/>
-              </a:schemeClr>
-            </a:lnRef>
-            <a:fillRef idx="1">
-              <a:schemeClr val="accent1"/>
-            </a:fillRef>
-            <a:effectRef idx="0">
-              <a:schemeClr val="accent1"/>
-            </a:effectRef>
-            <a:fontRef idx="minor">
-              <a:schemeClr val="lt1"/>
-            </a:fontRef>
-          </p:style>
-          <p:txBody>
-            <a:bodyPr rtlCol="0" anchor="ctr"/>
-            <a:lstStyle/>
-            <a:p>
-              <a:pPr algn="ctr"/>
-              <a:r>
-                <a:rPr lang="de-DE" sz="1080" b="1" dirty="0">
+              </a:ln>
+            </p:spPr>
+            <p:style>
+              <a:lnRef idx="2">
+                <a:schemeClr val="accent1">
+                  <a:shade val="50000"/>
+                </a:schemeClr>
+              </a:lnRef>
+              <a:fillRef idx="1">
+                <a:schemeClr val="accent1"/>
+              </a:fillRef>
+              <a:effectRef idx="0">
+                <a:schemeClr val="accent1"/>
+              </a:effectRef>
+              <a:fontRef idx="minor">
+                <a:schemeClr val="lt1"/>
+              </a:fontRef>
+            </p:style>
+            <p:txBody>
+              <a:bodyPr rtlCol="0" anchor="ctr"/>
+              <a:lstStyle/>
+              <a:p>
+                <a:pPr algn="ctr"/>
+                <a:r>
+                  <a:rPr lang="de-DE" sz="1080" b="1" dirty="0">
+                    <a:solidFill>
+                      <a:srgbClr val="3D96FF"/>
+                    </a:solidFill>
+                    <a:latin typeface="Arial monospaced for SAP" panose="020B0609020202030204" pitchFamily="49" charset="0"/>
+                  </a:rPr>
+                  <a:t>4</a:t>
+                </a:r>
+                <a:endParaRPr lang="de-DE" sz="743" b="1" dirty="0">
                   <a:solidFill>
                     <a:srgbClr val="3D96FF"/>
                   </a:solidFill>
                   <a:latin typeface="Arial monospaced for SAP" panose="020B0609020202030204" pitchFamily="49" charset="0"/>
-                </a:rPr>
-                <a:t>4</a:t>
-              </a:r>
-              <a:endParaRPr lang="de-DE" sz="743" b="1" dirty="0">
+                </a:endParaRPr>
+              </a:p>
+            </p:txBody>
+          </p:sp>
+          <p:sp>
+            <p:nvSpPr>
+              <p:cNvPr id="10" name="Oval 9"/>
+              <p:cNvSpPr/>
+              <p:nvPr/>
+            </p:nvSpPr>
+            <p:spPr>
+              <a:xfrm>
+                <a:off x="5559837" y="3930717"/>
+                <a:ext cx="281940" cy="273063"/>
+              </a:xfrm>
+              <a:prstGeom prst="ellipse">
+                <a:avLst/>
+              </a:prstGeom>
+              <a:noFill/>
+              <a:ln w="38100">
                 <a:solidFill>
                   <a:srgbClr val="3D96FF"/>
                 </a:solidFill>
-                <a:latin typeface="Arial monospaced for SAP" panose="020B0609020202030204" pitchFamily="49" charset="0"/>
-              </a:endParaRPr>
-            </a:p>
-          </p:txBody>
-        </p:sp>
-        <p:sp>
-          <p:nvSpPr>
-            <p:cNvPr id="10" name="Oval 9"/>
-            <p:cNvSpPr/>
-            <p:nvPr/>
-          </p:nvSpPr>
-          <p:spPr>
-            <a:xfrm>
-              <a:off x="5669280" y="3930717"/>
-              <a:ext cx="281940" cy="273062"/>
-            </a:xfrm>
-            <a:prstGeom prst="ellipse">
-              <a:avLst/>
-            </a:prstGeom>
-            <a:noFill/>
-            <a:ln w="38100">
-              <a:solidFill>
-                <a:srgbClr val="3D96FF"/>
-              </a:solidFill>
-            </a:ln>
-          </p:spPr>
-          <p:style>
-            <a:lnRef idx="2">
-              <a:schemeClr val="accent1">
-                <a:shade val="50000"/>
-              </a:schemeClr>
-            </a:lnRef>
-            <a:fillRef idx="1">
-              <a:schemeClr val="accent1"/>
-            </a:fillRef>
-            <a:effectRef idx="0">
-              <a:schemeClr val="accent1"/>
-            </a:effectRef>
-            <a:fontRef idx="minor">
-              <a:schemeClr val="lt1"/>
-            </a:fontRef>
-          </p:style>
-          <p:txBody>
-            <a:bodyPr rtlCol="0" anchor="ctr"/>
-            <a:lstStyle/>
-            <a:p>
-              <a:pPr algn="ctr"/>
-              <a:r>
-                <a:rPr lang="de-DE" sz="1080" b="1" dirty="0">
+              </a:ln>
+            </p:spPr>
+            <p:style>
+              <a:lnRef idx="2">
+                <a:schemeClr val="accent1">
+                  <a:shade val="50000"/>
+                </a:schemeClr>
+              </a:lnRef>
+              <a:fillRef idx="1">
+                <a:schemeClr val="accent1"/>
+              </a:fillRef>
+              <a:effectRef idx="0">
+                <a:schemeClr val="accent1"/>
+              </a:effectRef>
+              <a:fontRef idx="minor">
+                <a:schemeClr val="lt1"/>
+              </a:fontRef>
+            </p:style>
+            <p:txBody>
+              <a:bodyPr rtlCol="0" anchor="ctr"/>
+              <a:lstStyle/>
+              <a:p>
+                <a:pPr algn="ctr"/>
+                <a:r>
+                  <a:rPr lang="de-DE" sz="1080" b="1" dirty="0">
+                    <a:solidFill>
+                      <a:srgbClr val="3D96FF"/>
+                    </a:solidFill>
+                    <a:latin typeface="Arial monospaced for SAP" panose="020B0609020202030204" pitchFamily="49" charset="0"/>
+                  </a:rPr>
+                  <a:t>5</a:t>
+                </a:r>
+                <a:endParaRPr lang="de-DE" sz="743" b="1" dirty="0">
                   <a:solidFill>
                     <a:srgbClr val="3D96FF"/>
                   </a:solidFill>
                   <a:latin typeface="Arial monospaced for SAP" panose="020B0609020202030204" pitchFamily="49" charset="0"/>
-                </a:rPr>
-                <a:t>5</a:t>
-              </a:r>
-              <a:endParaRPr lang="de-DE" sz="743" b="1" dirty="0">
+                </a:endParaRPr>
+              </a:p>
+            </p:txBody>
+          </p:sp>
+          <p:sp>
+            <p:nvSpPr>
+              <p:cNvPr id="11" name="Oval 10"/>
+              <p:cNvSpPr/>
+              <p:nvPr/>
+            </p:nvSpPr>
+            <p:spPr>
+              <a:xfrm>
+                <a:off x="1730266" y="9149841"/>
+                <a:ext cx="281940" cy="273061"/>
+              </a:xfrm>
+              <a:prstGeom prst="ellipse">
+                <a:avLst/>
+              </a:prstGeom>
+              <a:noFill/>
+              <a:ln w="38100">
                 <a:solidFill>
                   <a:srgbClr val="3D96FF"/>
                 </a:solidFill>
-                <a:latin typeface="Arial monospaced for SAP" panose="020B0609020202030204" pitchFamily="49" charset="0"/>
-              </a:endParaRPr>
-            </a:p>
-          </p:txBody>
-        </p:sp>
-        <p:sp>
-          <p:nvSpPr>
-            <p:cNvPr id="11" name="Oval 10"/>
-            <p:cNvSpPr/>
-            <p:nvPr/>
-          </p:nvSpPr>
-          <p:spPr>
-            <a:xfrm>
-              <a:off x="1889760" y="6632568"/>
-              <a:ext cx="281940" cy="273062"/>
-            </a:xfrm>
-            <a:prstGeom prst="ellipse">
-              <a:avLst/>
-            </a:prstGeom>
-            <a:noFill/>
-            <a:ln w="38100">
-              <a:solidFill>
-                <a:srgbClr val="3D96FF"/>
-              </a:solidFill>
-            </a:ln>
-          </p:spPr>
-          <p:style>
-            <a:lnRef idx="2">
-              <a:schemeClr val="accent1">
-                <a:shade val="50000"/>
-              </a:schemeClr>
-            </a:lnRef>
-            <a:fillRef idx="1">
-              <a:schemeClr val="accent1"/>
-            </a:fillRef>
-            <a:effectRef idx="0">
-              <a:schemeClr val="accent1"/>
-            </a:effectRef>
-            <a:fontRef idx="minor">
-              <a:schemeClr val="lt1"/>
-            </a:fontRef>
-          </p:style>
-          <p:txBody>
-            <a:bodyPr rtlCol="0" anchor="ctr"/>
-            <a:lstStyle/>
-            <a:p>
-              <a:pPr algn="ctr"/>
-              <a:r>
-                <a:rPr lang="de-DE" sz="1080" b="1" dirty="0">
+              </a:ln>
+            </p:spPr>
+            <p:style>
+              <a:lnRef idx="2">
+                <a:schemeClr val="accent1">
+                  <a:shade val="50000"/>
+                </a:schemeClr>
+              </a:lnRef>
+              <a:fillRef idx="1">
+                <a:schemeClr val="accent1"/>
+              </a:fillRef>
+              <a:effectRef idx="0">
+                <a:schemeClr val="accent1"/>
+              </a:effectRef>
+              <a:fontRef idx="minor">
+                <a:schemeClr val="lt1"/>
+              </a:fontRef>
+            </p:style>
+            <p:txBody>
+              <a:bodyPr rtlCol="0" anchor="ctr"/>
+              <a:lstStyle/>
+              <a:p>
+                <a:pPr algn="ctr"/>
+                <a:r>
+                  <a:rPr lang="de-DE" sz="1080" b="1" dirty="0">
+                    <a:solidFill>
+                      <a:srgbClr val="3D96FF"/>
+                    </a:solidFill>
+                    <a:latin typeface="Arial monospaced for SAP" panose="020B0609020202030204" pitchFamily="49" charset="0"/>
+                  </a:rPr>
+                  <a:t>6</a:t>
+                </a:r>
+                <a:endParaRPr lang="de-DE" sz="743" b="1" dirty="0">
                   <a:solidFill>
                     <a:srgbClr val="3D96FF"/>
                   </a:solidFill>
                   <a:latin typeface="Arial monospaced for SAP" panose="020B0609020202030204" pitchFamily="49" charset="0"/>
-                </a:rPr>
-                <a:t>6</a:t>
-              </a:r>
-              <a:endParaRPr lang="de-DE" sz="743" b="1" dirty="0">
-                <a:solidFill>
-                  <a:srgbClr val="3D96FF"/>
-                </a:solidFill>
-                <a:latin typeface="Arial monospaced for SAP" panose="020B0609020202030204" pitchFamily="49" charset="0"/>
-              </a:endParaRPr>
-            </a:p>
-          </p:txBody>
-        </p:sp>
+                </a:endParaRPr>
+              </a:p>
+            </p:txBody>
+          </p:sp>
+        </p:grpSp>
       </p:grpSp>
     </p:spTree>
     <p:extLst>
